--- a/information/2015 - week 8 Assesment.pptx
+++ b/information/2015 - week 8 Assesment.pptx
@@ -56,7 +56,7 @@
       </p:grpSpPr>
       <p:sp>
         <p:nvSpPr>
-          <p:cNvPr id="26" name="PlaceHolder 1"/>
+          <p:cNvPr id="23" name="PlaceHolder 1"/>
           <p:cNvSpPr>
             <a:spLocks noGrp="1"/>
           </p:cNvSpPr>
@@ -66,8 +66,8 @@
         </p:nvSpPr>
         <p:spPr>
           <a:xfrm>
-            <a:off x="457200" y="274680"/>
-            <a:ext cx="8229240" cy="1143000"/>
+            <a:off x="457200" y="273600"/>
+            <a:ext cx="8229240" cy="1145160"/>
           </a:xfrm>
           <a:prstGeom prst="rect">
             <a:avLst/>
@@ -76,50 +76,51 @@
         <p:txBody>
           <a:bodyPr lIns="0" rIns="0" tIns="0" bIns="0" anchor="ctr"/>
           <a:p>
-            <a:endParaRPr/>
-          </a:p>
-        </p:txBody>
-      </p:sp>
-      <p:sp>
-        <p:nvSpPr>
-          <p:cNvPr id="27" name="PlaceHolder 2"/>
-          <p:cNvSpPr>
-            <a:spLocks noGrp="1"/>
-          </p:cNvSpPr>
-          <p:nvPr>
-            <p:ph type="body"/>
-          </p:nvPr>
-        </p:nvSpPr>
-        <p:spPr>
-          <a:xfrm>
-            <a:off x="457200" y="1600200"/>
-            <a:ext cx="8229240" cy="2158560"/>
-          </a:xfrm>
-          <a:prstGeom prst="rect">
-            <a:avLst/>
-          </a:prstGeom>
-        </p:spPr>
-        <p:txBody>
-          <a:bodyPr lIns="0" rIns="0" tIns="0" bIns="0"/>
-          <a:p>
-            <a:endParaRPr/>
-          </a:p>
-        </p:txBody>
-      </p:sp>
-      <p:sp>
-        <p:nvSpPr>
-          <p:cNvPr id="28" name="PlaceHolder 3"/>
-          <p:cNvSpPr>
-            <a:spLocks noGrp="1"/>
-          </p:cNvSpPr>
-          <p:nvPr>
-            <p:ph type="body"/>
-          </p:nvPr>
-        </p:nvSpPr>
-        <p:spPr>
-          <a:xfrm>
-            <a:off x="457200" y="3964320"/>
-            <a:ext cx="8229240" cy="2158560"/>
+            <a:pPr algn="ctr"/>
+            <a:endParaRPr/>
+          </a:p>
+        </p:txBody>
+      </p:sp>
+      <p:sp>
+        <p:nvSpPr>
+          <p:cNvPr id="24" name="PlaceHolder 2"/>
+          <p:cNvSpPr>
+            <a:spLocks noGrp="1"/>
+          </p:cNvSpPr>
+          <p:nvPr>
+            <p:ph type="body"/>
+          </p:nvPr>
+        </p:nvSpPr>
+        <p:spPr>
+          <a:xfrm>
+            <a:off x="457200" y="1604520"/>
+            <a:ext cx="8229240" cy="1896840"/>
+          </a:xfrm>
+          <a:prstGeom prst="rect">
+            <a:avLst/>
+          </a:prstGeom>
+        </p:spPr>
+        <p:txBody>
+          <a:bodyPr lIns="0" rIns="0" tIns="0" bIns="0"/>
+          <a:p>
+            <a:endParaRPr/>
+          </a:p>
+        </p:txBody>
+      </p:sp>
+      <p:sp>
+        <p:nvSpPr>
+          <p:cNvPr id="25" name="PlaceHolder 3"/>
+          <p:cNvSpPr>
+            <a:spLocks noGrp="1"/>
+          </p:cNvSpPr>
+          <p:nvPr>
+            <p:ph type="body"/>
+          </p:nvPr>
+        </p:nvSpPr>
+        <p:spPr>
+          <a:xfrm>
+            <a:off x="457200" y="3682080"/>
+            <a:ext cx="8229240" cy="1896840"/>
           </a:xfrm>
           <a:prstGeom prst="rect">
             <a:avLst/>
@@ -156,7 +157,7 @@
       </p:grpSpPr>
       <p:sp>
         <p:nvSpPr>
-          <p:cNvPr id="29" name="PlaceHolder 1"/>
+          <p:cNvPr id="26" name="PlaceHolder 1"/>
           <p:cNvSpPr>
             <a:spLocks noGrp="1"/>
           </p:cNvSpPr>
@@ -166,8 +167,8 @@
         </p:nvSpPr>
         <p:spPr>
           <a:xfrm>
-            <a:off x="457200" y="274680"/>
-            <a:ext cx="8229240" cy="1143000"/>
+            <a:off x="457200" y="273600"/>
+            <a:ext cx="8229240" cy="1145160"/>
           </a:xfrm>
           <a:prstGeom prst="rect">
             <a:avLst/>
@@ -176,102 +177,103 @@
         <p:txBody>
           <a:bodyPr lIns="0" rIns="0" tIns="0" bIns="0" anchor="ctr"/>
           <a:p>
-            <a:endParaRPr/>
-          </a:p>
-        </p:txBody>
-      </p:sp>
-      <p:sp>
-        <p:nvSpPr>
-          <p:cNvPr id="30" name="PlaceHolder 2"/>
-          <p:cNvSpPr>
-            <a:spLocks noGrp="1"/>
-          </p:cNvSpPr>
-          <p:nvPr>
-            <p:ph type="body"/>
-          </p:nvPr>
-        </p:nvSpPr>
-        <p:spPr>
-          <a:xfrm>
-            <a:off x="457200" y="1600200"/>
-            <a:ext cx="4015800" cy="2158560"/>
-          </a:xfrm>
-          <a:prstGeom prst="rect">
-            <a:avLst/>
-          </a:prstGeom>
-        </p:spPr>
-        <p:txBody>
-          <a:bodyPr lIns="0" rIns="0" tIns="0" bIns="0"/>
-          <a:p>
-            <a:endParaRPr/>
-          </a:p>
-        </p:txBody>
-      </p:sp>
-      <p:sp>
-        <p:nvSpPr>
-          <p:cNvPr id="31" name="PlaceHolder 3"/>
-          <p:cNvSpPr>
-            <a:spLocks noGrp="1"/>
-          </p:cNvSpPr>
-          <p:nvPr>
-            <p:ph type="body"/>
-          </p:nvPr>
-        </p:nvSpPr>
-        <p:spPr>
-          <a:xfrm>
-            <a:off x="4674240" y="1600200"/>
-            <a:ext cx="4015800" cy="2158560"/>
-          </a:xfrm>
-          <a:prstGeom prst="rect">
-            <a:avLst/>
-          </a:prstGeom>
-        </p:spPr>
-        <p:txBody>
-          <a:bodyPr lIns="0" rIns="0" tIns="0" bIns="0"/>
-          <a:p>
-            <a:endParaRPr/>
-          </a:p>
-        </p:txBody>
-      </p:sp>
-      <p:sp>
-        <p:nvSpPr>
-          <p:cNvPr id="32" name="PlaceHolder 4"/>
-          <p:cNvSpPr>
-            <a:spLocks noGrp="1"/>
-          </p:cNvSpPr>
-          <p:nvPr>
-            <p:ph type="body"/>
-          </p:nvPr>
-        </p:nvSpPr>
-        <p:spPr>
-          <a:xfrm>
-            <a:off x="4674240" y="3964320"/>
-            <a:ext cx="4015800" cy="2158560"/>
-          </a:xfrm>
-          <a:prstGeom prst="rect">
-            <a:avLst/>
-          </a:prstGeom>
-        </p:spPr>
-        <p:txBody>
-          <a:bodyPr lIns="0" rIns="0" tIns="0" bIns="0"/>
-          <a:p>
-            <a:endParaRPr/>
-          </a:p>
-        </p:txBody>
-      </p:sp>
-      <p:sp>
-        <p:nvSpPr>
-          <p:cNvPr id="33" name="PlaceHolder 5"/>
-          <p:cNvSpPr>
-            <a:spLocks noGrp="1"/>
-          </p:cNvSpPr>
-          <p:nvPr>
-            <p:ph type="body"/>
-          </p:nvPr>
-        </p:nvSpPr>
-        <p:spPr>
-          <a:xfrm>
-            <a:off x="457200" y="3964320"/>
-            <a:ext cx="4015800" cy="2158560"/>
+            <a:pPr algn="ctr"/>
+            <a:endParaRPr/>
+          </a:p>
+        </p:txBody>
+      </p:sp>
+      <p:sp>
+        <p:nvSpPr>
+          <p:cNvPr id="27" name="PlaceHolder 2"/>
+          <p:cNvSpPr>
+            <a:spLocks noGrp="1"/>
+          </p:cNvSpPr>
+          <p:nvPr>
+            <p:ph type="body"/>
+          </p:nvPr>
+        </p:nvSpPr>
+        <p:spPr>
+          <a:xfrm>
+            <a:off x="457200" y="1604520"/>
+            <a:ext cx="4015800" cy="1896840"/>
+          </a:xfrm>
+          <a:prstGeom prst="rect">
+            <a:avLst/>
+          </a:prstGeom>
+        </p:spPr>
+        <p:txBody>
+          <a:bodyPr lIns="0" rIns="0" tIns="0" bIns="0"/>
+          <a:p>
+            <a:endParaRPr/>
+          </a:p>
+        </p:txBody>
+      </p:sp>
+      <p:sp>
+        <p:nvSpPr>
+          <p:cNvPr id="28" name="PlaceHolder 3"/>
+          <p:cNvSpPr>
+            <a:spLocks noGrp="1"/>
+          </p:cNvSpPr>
+          <p:nvPr>
+            <p:ph type="body"/>
+          </p:nvPr>
+        </p:nvSpPr>
+        <p:spPr>
+          <a:xfrm>
+            <a:off x="4674240" y="1604520"/>
+            <a:ext cx="4015800" cy="1896840"/>
+          </a:xfrm>
+          <a:prstGeom prst="rect">
+            <a:avLst/>
+          </a:prstGeom>
+        </p:spPr>
+        <p:txBody>
+          <a:bodyPr lIns="0" rIns="0" tIns="0" bIns="0"/>
+          <a:p>
+            <a:endParaRPr/>
+          </a:p>
+        </p:txBody>
+      </p:sp>
+      <p:sp>
+        <p:nvSpPr>
+          <p:cNvPr id="29" name="PlaceHolder 4"/>
+          <p:cNvSpPr>
+            <a:spLocks noGrp="1"/>
+          </p:cNvSpPr>
+          <p:nvPr>
+            <p:ph type="body"/>
+          </p:nvPr>
+        </p:nvSpPr>
+        <p:spPr>
+          <a:xfrm>
+            <a:off x="4674240" y="3682080"/>
+            <a:ext cx="4015800" cy="1896840"/>
+          </a:xfrm>
+          <a:prstGeom prst="rect">
+            <a:avLst/>
+          </a:prstGeom>
+        </p:spPr>
+        <p:txBody>
+          <a:bodyPr lIns="0" rIns="0" tIns="0" bIns="0"/>
+          <a:p>
+            <a:endParaRPr/>
+          </a:p>
+        </p:txBody>
+      </p:sp>
+      <p:sp>
+        <p:nvSpPr>
+          <p:cNvPr id="30" name="PlaceHolder 5"/>
+          <p:cNvSpPr>
+            <a:spLocks noGrp="1"/>
+          </p:cNvSpPr>
+          <p:nvPr>
+            <p:ph type="body"/>
+          </p:nvPr>
+        </p:nvSpPr>
+        <p:spPr>
+          <a:xfrm>
+            <a:off x="457200" y="3682080"/>
+            <a:ext cx="4015800" cy="1896840"/>
           </a:xfrm>
           <a:prstGeom prst="rect">
             <a:avLst/>
@@ -308,7 +310,7 @@
       </p:grpSpPr>
       <p:sp>
         <p:nvSpPr>
-          <p:cNvPr id="34" name="PlaceHolder 1"/>
+          <p:cNvPr id="31" name="PlaceHolder 1"/>
           <p:cNvSpPr>
             <a:spLocks noGrp="1"/>
           </p:cNvSpPr>
@@ -318,8 +320,8 @@
         </p:nvSpPr>
         <p:spPr>
           <a:xfrm>
-            <a:off x="457200" y="274680"/>
-            <a:ext cx="8229240" cy="1143000"/>
+            <a:off x="457200" y="273600"/>
+            <a:ext cx="8229240" cy="1145160"/>
           </a:xfrm>
           <a:prstGeom prst="rect">
             <a:avLst/>
@@ -328,50 +330,51 @@
         <p:txBody>
           <a:bodyPr lIns="0" rIns="0" tIns="0" bIns="0" anchor="ctr"/>
           <a:p>
-            <a:endParaRPr/>
-          </a:p>
-        </p:txBody>
-      </p:sp>
-      <p:sp>
-        <p:nvSpPr>
-          <p:cNvPr id="35" name="PlaceHolder 2"/>
-          <p:cNvSpPr>
-            <a:spLocks noGrp="1"/>
-          </p:cNvSpPr>
-          <p:nvPr>
-            <p:ph type="body"/>
-          </p:nvPr>
-        </p:nvSpPr>
-        <p:spPr>
-          <a:xfrm>
-            <a:off x="457200" y="1600200"/>
-            <a:ext cx="8229240" cy="4525560"/>
-          </a:xfrm>
-          <a:prstGeom prst="rect">
-            <a:avLst/>
-          </a:prstGeom>
-        </p:spPr>
-        <p:txBody>
-          <a:bodyPr lIns="0" rIns="0" tIns="0" bIns="0"/>
-          <a:p>
-            <a:endParaRPr/>
-          </a:p>
-        </p:txBody>
-      </p:sp>
-      <p:sp>
-        <p:nvSpPr>
-          <p:cNvPr id="36" name="PlaceHolder 3"/>
-          <p:cNvSpPr>
-            <a:spLocks noGrp="1"/>
-          </p:cNvSpPr>
-          <p:nvPr>
-            <p:ph type="body"/>
-          </p:nvPr>
-        </p:nvSpPr>
-        <p:spPr>
-          <a:xfrm>
-            <a:off x="457200" y="1600200"/>
-            <a:ext cx="8229240" cy="4525560"/>
+            <a:pPr algn="ctr"/>
+            <a:endParaRPr/>
+          </a:p>
+        </p:txBody>
+      </p:sp>
+      <p:sp>
+        <p:nvSpPr>
+          <p:cNvPr id="32" name="PlaceHolder 2"/>
+          <p:cNvSpPr>
+            <a:spLocks noGrp="1"/>
+          </p:cNvSpPr>
+          <p:nvPr>
+            <p:ph type="body"/>
+          </p:nvPr>
+        </p:nvSpPr>
+        <p:spPr>
+          <a:xfrm>
+            <a:off x="457200" y="1604520"/>
+            <a:ext cx="8229240" cy="3977280"/>
+          </a:xfrm>
+          <a:prstGeom prst="rect">
+            <a:avLst/>
+          </a:prstGeom>
+        </p:spPr>
+        <p:txBody>
+          <a:bodyPr lIns="0" rIns="0" tIns="0" bIns="0"/>
+          <a:p>
+            <a:endParaRPr/>
+          </a:p>
+        </p:txBody>
+      </p:sp>
+      <p:sp>
+        <p:nvSpPr>
+          <p:cNvPr id="33" name="PlaceHolder 3"/>
+          <p:cNvSpPr>
+            <a:spLocks noGrp="1"/>
+          </p:cNvSpPr>
+          <p:nvPr>
+            <p:ph type="body"/>
+          </p:nvPr>
+        </p:nvSpPr>
+        <p:spPr>
+          <a:xfrm>
+            <a:off x="457200" y="1604520"/>
+            <a:ext cx="8229240" cy="3977280"/>
           </a:xfrm>
           <a:prstGeom prst="rect">
             <a:avLst/>
@@ -386,7 +389,7 @@
       </p:sp>
       <p:pic>
         <p:nvPicPr>
-          <p:cNvPr id="37" name="" descr=""/>
+          <p:cNvPr id="34" name="" descr=""/>
           <p:cNvPicPr/>
           <p:nvPr/>
         </p:nvPicPr>
@@ -398,8 +401,8 @@
         </p:blipFill>
         <p:spPr>
           <a:xfrm>
-            <a:off x="1735560" y="1599840"/>
-            <a:ext cx="5671800" cy="4525560"/>
+            <a:off x="2079000" y="1604520"/>
+            <a:ext cx="4984920" cy="3977280"/>
           </a:xfrm>
           <a:prstGeom prst="rect">
             <a:avLst/>
@@ -411,7 +414,7 @@
       </p:pic>
       <p:pic>
         <p:nvPicPr>
-          <p:cNvPr id="38" name="" descr=""/>
+          <p:cNvPr id="35" name="" descr=""/>
           <p:cNvPicPr/>
           <p:nvPr/>
         </p:nvPicPr>
@@ -423,8 +426,8 @@
         </p:blipFill>
         <p:spPr>
           <a:xfrm>
-            <a:off x="1735560" y="1599840"/>
-            <a:ext cx="5671800" cy="4525560"/>
+            <a:off x="2079000" y="1604520"/>
+            <a:ext cx="4984920" cy="3977280"/>
           </a:xfrm>
           <a:prstGeom prst="rect">
             <a:avLst/>
@@ -480,7 +483,7 @@
       </p:grpSpPr>
       <p:sp>
         <p:nvSpPr>
-          <p:cNvPr id="44" name="PlaceHolder 1"/>
+          <p:cNvPr id="38" name="PlaceHolder 1"/>
           <p:cNvSpPr>
             <a:spLocks noGrp="1"/>
           </p:cNvSpPr>
@@ -490,8 +493,8 @@
         </p:nvSpPr>
         <p:spPr>
           <a:xfrm>
-            <a:off x="457200" y="274680"/>
-            <a:ext cx="8229240" cy="1143000"/>
+            <a:off x="457200" y="273600"/>
+            <a:ext cx="8229240" cy="1145160"/>
           </a:xfrm>
           <a:prstGeom prst="rect">
             <a:avLst/>
@@ -500,13 +503,14 @@
         <p:txBody>
           <a:bodyPr lIns="0" rIns="0" tIns="0" bIns="0" anchor="ctr"/>
           <a:p>
-            <a:endParaRPr/>
-          </a:p>
-        </p:txBody>
-      </p:sp>
-      <p:sp>
-        <p:nvSpPr>
-          <p:cNvPr id="45" name="PlaceHolder 2"/>
+            <a:pPr algn="ctr"/>
+            <a:endParaRPr/>
+          </a:p>
+        </p:txBody>
+      </p:sp>
+      <p:sp>
+        <p:nvSpPr>
+          <p:cNvPr id="39" name="PlaceHolder 2"/>
           <p:cNvSpPr>
             <a:spLocks noGrp="1"/>
           </p:cNvSpPr>
@@ -516,8 +520,8 @@
         </p:nvSpPr>
         <p:spPr>
           <a:xfrm>
-            <a:off x="457200" y="1600200"/>
-            <a:ext cx="8229240" cy="4525920"/>
+            <a:off x="457200" y="1604520"/>
+            <a:ext cx="8229240" cy="3977640"/>
           </a:xfrm>
           <a:prstGeom prst="rect">
             <a:avLst/>
@@ -555,7 +559,7 @@
       </p:grpSpPr>
       <p:sp>
         <p:nvSpPr>
-          <p:cNvPr id="46" name="PlaceHolder 1"/>
+          <p:cNvPr id="40" name="PlaceHolder 1"/>
           <p:cNvSpPr>
             <a:spLocks noGrp="1"/>
           </p:cNvSpPr>
@@ -565,8 +569,8 @@
         </p:nvSpPr>
         <p:spPr>
           <a:xfrm>
-            <a:off x="457200" y="274680"/>
-            <a:ext cx="8229240" cy="1143000"/>
+            <a:off x="457200" y="273600"/>
+            <a:ext cx="8229240" cy="1145160"/>
           </a:xfrm>
           <a:prstGeom prst="rect">
             <a:avLst/>
@@ -575,24 +579,25 @@
         <p:txBody>
           <a:bodyPr lIns="0" rIns="0" tIns="0" bIns="0" anchor="ctr"/>
           <a:p>
-            <a:endParaRPr/>
-          </a:p>
-        </p:txBody>
-      </p:sp>
-      <p:sp>
-        <p:nvSpPr>
-          <p:cNvPr id="47" name="PlaceHolder 2"/>
-          <p:cNvSpPr>
-            <a:spLocks noGrp="1"/>
-          </p:cNvSpPr>
-          <p:nvPr>
-            <p:ph type="body"/>
-          </p:nvPr>
-        </p:nvSpPr>
-        <p:spPr>
-          <a:xfrm>
-            <a:off x="457200" y="1600200"/>
-            <a:ext cx="8229240" cy="4525560"/>
+            <a:pPr algn="ctr"/>
+            <a:endParaRPr/>
+          </a:p>
+        </p:txBody>
+      </p:sp>
+      <p:sp>
+        <p:nvSpPr>
+          <p:cNvPr id="41" name="PlaceHolder 2"/>
+          <p:cNvSpPr>
+            <a:spLocks noGrp="1"/>
+          </p:cNvSpPr>
+          <p:nvPr>
+            <p:ph type="body"/>
+          </p:nvPr>
+        </p:nvSpPr>
+        <p:spPr>
+          <a:xfrm>
+            <a:off x="457200" y="1604520"/>
+            <a:ext cx="8229240" cy="3977280"/>
           </a:xfrm>
           <a:prstGeom prst="rect">
             <a:avLst/>
@@ -629,7 +634,7 @@
       </p:grpSpPr>
       <p:sp>
         <p:nvSpPr>
-          <p:cNvPr id="48" name="PlaceHolder 1"/>
+          <p:cNvPr id="42" name="PlaceHolder 1"/>
           <p:cNvSpPr>
             <a:spLocks noGrp="1"/>
           </p:cNvSpPr>
@@ -639,8 +644,8 @@
         </p:nvSpPr>
         <p:spPr>
           <a:xfrm>
-            <a:off x="457200" y="274680"/>
-            <a:ext cx="8229240" cy="1143000"/>
+            <a:off x="457200" y="273600"/>
+            <a:ext cx="8229240" cy="1145160"/>
           </a:xfrm>
           <a:prstGeom prst="rect">
             <a:avLst/>
@@ -649,50 +654,51 @@
         <p:txBody>
           <a:bodyPr lIns="0" rIns="0" tIns="0" bIns="0" anchor="ctr"/>
           <a:p>
-            <a:endParaRPr/>
-          </a:p>
-        </p:txBody>
-      </p:sp>
-      <p:sp>
-        <p:nvSpPr>
-          <p:cNvPr id="49" name="PlaceHolder 2"/>
-          <p:cNvSpPr>
-            <a:spLocks noGrp="1"/>
-          </p:cNvSpPr>
-          <p:nvPr>
-            <p:ph type="body"/>
-          </p:nvPr>
-        </p:nvSpPr>
-        <p:spPr>
-          <a:xfrm>
-            <a:off x="457200" y="1600200"/>
-            <a:ext cx="4015800" cy="4525560"/>
-          </a:xfrm>
-          <a:prstGeom prst="rect">
-            <a:avLst/>
-          </a:prstGeom>
-        </p:spPr>
-        <p:txBody>
-          <a:bodyPr lIns="0" rIns="0" tIns="0" bIns="0"/>
-          <a:p>
-            <a:endParaRPr/>
-          </a:p>
-        </p:txBody>
-      </p:sp>
-      <p:sp>
-        <p:nvSpPr>
-          <p:cNvPr id="50" name="PlaceHolder 3"/>
-          <p:cNvSpPr>
-            <a:spLocks noGrp="1"/>
-          </p:cNvSpPr>
-          <p:nvPr>
-            <p:ph type="body"/>
-          </p:nvPr>
-        </p:nvSpPr>
-        <p:spPr>
-          <a:xfrm>
-            <a:off x="4674240" y="1600200"/>
-            <a:ext cx="4015800" cy="4525560"/>
+            <a:pPr algn="ctr"/>
+            <a:endParaRPr/>
+          </a:p>
+        </p:txBody>
+      </p:sp>
+      <p:sp>
+        <p:nvSpPr>
+          <p:cNvPr id="43" name="PlaceHolder 2"/>
+          <p:cNvSpPr>
+            <a:spLocks noGrp="1"/>
+          </p:cNvSpPr>
+          <p:nvPr>
+            <p:ph type="body"/>
+          </p:nvPr>
+        </p:nvSpPr>
+        <p:spPr>
+          <a:xfrm>
+            <a:off x="457200" y="1604520"/>
+            <a:ext cx="4015800" cy="3977280"/>
+          </a:xfrm>
+          <a:prstGeom prst="rect">
+            <a:avLst/>
+          </a:prstGeom>
+        </p:spPr>
+        <p:txBody>
+          <a:bodyPr lIns="0" rIns="0" tIns="0" bIns="0"/>
+          <a:p>
+            <a:endParaRPr/>
+          </a:p>
+        </p:txBody>
+      </p:sp>
+      <p:sp>
+        <p:nvSpPr>
+          <p:cNvPr id="44" name="PlaceHolder 3"/>
+          <p:cNvSpPr>
+            <a:spLocks noGrp="1"/>
+          </p:cNvSpPr>
+          <p:nvPr>
+            <p:ph type="body"/>
+          </p:nvPr>
+        </p:nvSpPr>
+        <p:spPr>
+          <a:xfrm>
+            <a:off x="4674240" y="1604520"/>
+            <a:ext cx="4015800" cy="3977280"/>
           </a:xfrm>
           <a:prstGeom prst="rect">
             <a:avLst/>
@@ -729,7 +735,7 @@
       </p:grpSpPr>
       <p:sp>
         <p:nvSpPr>
-          <p:cNvPr id="51" name="PlaceHolder 1"/>
+          <p:cNvPr id="45" name="PlaceHolder 1"/>
           <p:cNvSpPr>
             <a:spLocks noGrp="1"/>
           </p:cNvSpPr>
@@ -739,8 +745,8 @@
         </p:nvSpPr>
         <p:spPr>
           <a:xfrm>
-            <a:off x="457200" y="274680"/>
-            <a:ext cx="8229240" cy="1143000"/>
+            <a:off x="457200" y="273600"/>
+            <a:ext cx="8229240" cy="1145160"/>
           </a:xfrm>
           <a:prstGeom prst="rect">
             <a:avLst/>
@@ -749,6 +755,7 @@
         <p:txBody>
           <a:bodyPr lIns="0" rIns="0" tIns="0" bIns="0" anchor="ctr"/>
           <a:p>
+            <a:pPr algn="ctr"/>
             <a:endParaRPr/>
           </a:p>
         </p:txBody>
@@ -777,7 +784,7 @@
       </p:grpSpPr>
       <p:sp>
         <p:nvSpPr>
-          <p:cNvPr id="52" name="PlaceHolder 1"/>
+          <p:cNvPr id="46" name="PlaceHolder 1"/>
           <p:cNvSpPr>
             <a:spLocks noGrp="1"/>
           </p:cNvSpPr>
@@ -787,8 +794,8 @@
         </p:nvSpPr>
         <p:spPr>
           <a:xfrm>
-            <a:off x="457200" y="274680"/>
-            <a:ext cx="8229240" cy="5298120"/>
+            <a:off x="457200" y="273600"/>
+            <a:ext cx="8229240" cy="5308200"/>
           </a:xfrm>
           <a:prstGeom prst="rect">
             <a:avLst/>
@@ -826,7 +833,7 @@
       </p:grpSpPr>
       <p:sp>
         <p:nvSpPr>
-          <p:cNvPr id="53" name="PlaceHolder 1"/>
+          <p:cNvPr id="47" name="PlaceHolder 1"/>
           <p:cNvSpPr>
             <a:spLocks noGrp="1"/>
           </p:cNvSpPr>
@@ -836,8 +843,8 @@
         </p:nvSpPr>
         <p:spPr>
           <a:xfrm>
-            <a:off x="457200" y="274680"/>
-            <a:ext cx="8229240" cy="1143000"/>
+            <a:off x="457200" y="273600"/>
+            <a:ext cx="8229240" cy="1145160"/>
           </a:xfrm>
           <a:prstGeom prst="rect">
             <a:avLst/>
@@ -846,76 +853,77 @@
         <p:txBody>
           <a:bodyPr lIns="0" rIns="0" tIns="0" bIns="0" anchor="ctr"/>
           <a:p>
-            <a:endParaRPr/>
-          </a:p>
-        </p:txBody>
-      </p:sp>
-      <p:sp>
-        <p:nvSpPr>
-          <p:cNvPr id="54" name="PlaceHolder 2"/>
-          <p:cNvSpPr>
-            <a:spLocks noGrp="1"/>
-          </p:cNvSpPr>
-          <p:nvPr>
-            <p:ph type="body"/>
-          </p:nvPr>
-        </p:nvSpPr>
-        <p:spPr>
-          <a:xfrm>
-            <a:off x="457200" y="1600200"/>
-            <a:ext cx="4015800" cy="2158560"/>
-          </a:xfrm>
-          <a:prstGeom prst="rect">
-            <a:avLst/>
-          </a:prstGeom>
-        </p:spPr>
-        <p:txBody>
-          <a:bodyPr lIns="0" rIns="0" tIns="0" bIns="0"/>
-          <a:p>
-            <a:endParaRPr/>
-          </a:p>
-        </p:txBody>
-      </p:sp>
-      <p:sp>
-        <p:nvSpPr>
-          <p:cNvPr id="55" name="PlaceHolder 3"/>
-          <p:cNvSpPr>
-            <a:spLocks noGrp="1"/>
-          </p:cNvSpPr>
-          <p:nvPr>
-            <p:ph type="body"/>
-          </p:nvPr>
-        </p:nvSpPr>
-        <p:spPr>
-          <a:xfrm>
-            <a:off x="457200" y="3964320"/>
-            <a:ext cx="4015800" cy="2158560"/>
-          </a:xfrm>
-          <a:prstGeom prst="rect">
-            <a:avLst/>
-          </a:prstGeom>
-        </p:spPr>
-        <p:txBody>
-          <a:bodyPr lIns="0" rIns="0" tIns="0" bIns="0"/>
-          <a:p>
-            <a:endParaRPr/>
-          </a:p>
-        </p:txBody>
-      </p:sp>
-      <p:sp>
-        <p:nvSpPr>
-          <p:cNvPr id="56" name="PlaceHolder 4"/>
-          <p:cNvSpPr>
-            <a:spLocks noGrp="1"/>
-          </p:cNvSpPr>
-          <p:nvPr>
-            <p:ph type="body"/>
-          </p:nvPr>
-        </p:nvSpPr>
-        <p:spPr>
-          <a:xfrm>
-            <a:off x="4674240" y="1600200"/>
-            <a:ext cx="4015800" cy="4525560"/>
+            <a:pPr algn="ctr"/>
+            <a:endParaRPr/>
+          </a:p>
+        </p:txBody>
+      </p:sp>
+      <p:sp>
+        <p:nvSpPr>
+          <p:cNvPr id="48" name="PlaceHolder 2"/>
+          <p:cNvSpPr>
+            <a:spLocks noGrp="1"/>
+          </p:cNvSpPr>
+          <p:nvPr>
+            <p:ph type="body"/>
+          </p:nvPr>
+        </p:nvSpPr>
+        <p:spPr>
+          <a:xfrm>
+            <a:off x="457200" y="1604520"/>
+            <a:ext cx="4015800" cy="1896840"/>
+          </a:xfrm>
+          <a:prstGeom prst="rect">
+            <a:avLst/>
+          </a:prstGeom>
+        </p:spPr>
+        <p:txBody>
+          <a:bodyPr lIns="0" rIns="0" tIns="0" bIns="0"/>
+          <a:p>
+            <a:endParaRPr/>
+          </a:p>
+        </p:txBody>
+      </p:sp>
+      <p:sp>
+        <p:nvSpPr>
+          <p:cNvPr id="49" name="PlaceHolder 3"/>
+          <p:cNvSpPr>
+            <a:spLocks noGrp="1"/>
+          </p:cNvSpPr>
+          <p:nvPr>
+            <p:ph type="body"/>
+          </p:nvPr>
+        </p:nvSpPr>
+        <p:spPr>
+          <a:xfrm>
+            <a:off x="457200" y="3682080"/>
+            <a:ext cx="4015800" cy="1896840"/>
+          </a:xfrm>
+          <a:prstGeom prst="rect">
+            <a:avLst/>
+          </a:prstGeom>
+        </p:spPr>
+        <p:txBody>
+          <a:bodyPr lIns="0" rIns="0" tIns="0" bIns="0"/>
+          <a:p>
+            <a:endParaRPr/>
+          </a:p>
+        </p:txBody>
+      </p:sp>
+      <p:sp>
+        <p:nvSpPr>
+          <p:cNvPr id="50" name="PlaceHolder 4"/>
+          <p:cNvSpPr>
+            <a:spLocks noGrp="1"/>
+          </p:cNvSpPr>
+          <p:nvPr>
+            <p:ph type="body"/>
+          </p:nvPr>
+        </p:nvSpPr>
+        <p:spPr>
+          <a:xfrm>
+            <a:off x="4674240" y="1604520"/>
+            <a:ext cx="4015800" cy="3977280"/>
           </a:xfrm>
           <a:prstGeom prst="rect">
             <a:avLst/>
@@ -952,7 +960,7 @@
       </p:grpSpPr>
       <p:sp>
         <p:nvSpPr>
-          <p:cNvPr id="5" name="PlaceHolder 1"/>
+          <p:cNvPr id="2" name="PlaceHolder 1"/>
           <p:cNvSpPr>
             <a:spLocks noGrp="1"/>
           </p:cNvSpPr>
@@ -962,8 +970,8 @@
         </p:nvSpPr>
         <p:spPr>
           <a:xfrm>
-            <a:off x="457200" y="274680"/>
-            <a:ext cx="8229240" cy="1143000"/>
+            <a:off x="457200" y="273600"/>
+            <a:ext cx="8229240" cy="1145160"/>
           </a:xfrm>
           <a:prstGeom prst="rect">
             <a:avLst/>
@@ -972,13 +980,14 @@
         <p:txBody>
           <a:bodyPr lIns="0" rIns="0" tIns="0" bIns="0" anchor="ctr"/>
           <a:p>
-            <a:endParaRPr/>
-          </a:p>
-        </p:txBody>
-      </p:sp>
-      <p:sp>
-        <p:nvSpPr>
-          <p:cNvPr id="6" name="PlaceHolder 2"/>
+            <a:pPr algn="ctr"/>
+            <a:endParaRPr/>
+          </a:p>
+        </p:txBody>
+      </p:sp>
+      <p:sp>
+        <p:nvSpPr>
+          <p:cNvPr id="3" name="PlaceHolder 2"/>
           <p:cNvSpPr>
             <a:spLocks noGrp="1"/>
           </p:cNvSpPr>
@@ -988,8 +997,8 @@
         </p:nvSpPr>
         <p:spPr>
           <a:xfrm>
-            <a:off x="457200" y="1600200"/>
-            <a:ext cx="8229240" cy="4525920"/>
+            <a:off x="457200" y="1604520"/>
+            <a:ext cx="8229240" cy="3977640"/>
           </a:xfrm>
           <a:prstGeom prst="rect">
             <a:avLst/>
@@ -1027,7 +1036,7 @@
       </p:grpSpPr>
       <p:sp>
         <p:nvSpPr>
-          <p:cNvPr id="57" name="PlaceHolder 1"/>
+          <p:cNvPr id="51" name="PlaceHolder 1"/>
           <p:cNvSpPr>
             <a:spLocks noGrp="1"/>
           </p:cNvSpPr>
@@ -1037,8 +1046,8 @@
         </p:nvSpPr>
         <p:spPr>
           <a:xfrm>
-            <a:off x="457200" y="274680"/>
-            <a:ext cx="8229240" cy="1143000"/>
+            <a:off x="457200" y="273600"/>
+            <a:ext cx="8229240" cy="1145160"/>
           </a:xfrm>
           <a:prstGeom prst="rect">
             <a:avLst/>
@@ -1047,76 +1056,77 @@
         <p:txBody>
           <a:bodyPr lIns="0" rIns="0" tIns="0" bIns="0" anchor="ctr"/>
           <a:p>
-            <a:endParaRPr/>
-          </a:p>
-        </p:txBody>
-      </p:sp>
-      <p:sp>
-        <p:nvSpPr>
-          <p:cNvPr id="58" name="PlaceHolder 2"/>
-          <p:cNvSpPr>
-            <a:spLocks noGrp="1"/>
-          </p:cNvSpPr>
-          <p:nvPr>
-            <p:ph type="body"/>
-          </p:nvPr>
-        </p:nvSpPr>
-        <p:spPr>
-          <a:xfrm>
-            <a:off x="457200" y="1600200"/>
-            <a:ext cx="4015800" cy="4525560"/>
-          </a:xfrm>
-          <a:prstGeom prst="rect">
-            <a:avLst/>
-          </a:prstGeom>
-        </p:spPr>
-        <p:txBody>
-          <a:bodyPr lIns="0" rIns="0" tIns="0" bIns="0"/>
-          <a:p>
-            <a:endParaRPr/>
-          </a:p>
-        </p:txBody>
-      </p:sp>
-      <p:sp>
-        <p:nvSpPr>
-          <p:cNvPr id="59" name="PlaceHolder 3"/>
-          <p:cNvSpPr>
-            <a:spLocks noGrp="1"/>
-          </p:cNvSpPr>
-          <p:nvPr>
-            <p:ph type="body"/>
-          </p:nvPr>
-        </p:nvSpPr>
-        <p:spPr>
-          <a:xfrm>
-            <a:off x="4674240" y="1600200"/>
-            <a:ext cx="4015800" cy="2158560"/>
-          </a:xfrm>
-          <a:prstGeom prst="rect">
-            <a:avLst/>
-          </a:prstGeom>
-        </p:spPr>
-        <p:txBody>
-          <a:bodyPr lIns="0" rIns="0" tIns="0" bIns="0"/>
-          <a:p>
-            <a:endParaRPr/>
-          </a:p>
-        </p:txBody>
-      </p:sp>
-      <p:sp>
-        <p:nvSpPr>
-          <p:cNvPr id="60" name="PlaceHolder 4"/>
-          <p:cNvSpPr>
-            <a:spLocks noGrp="1"/>
-          </p:cNvSpPr>
-          <p:nvPr>
-            <p:ph type="body"/>
-          </p:nvPr>
-        </p:nvSpPr>
-        <p:spPr>
-          <a:xfrm>
-            <a:off x="4674240" y="3964320"/>
-            <a:ext cx="4015800" cy="2158560"/>
+            <a:pPr algn="ctr"/>
+            <a:endParaRPr/>
+          </a:p>
+        </p:txBody>
+      </p:sp>
+      <p:sp>
+        <p:nvSpPr>
+          <p:cNvPr id="52" name="PlaceHolder 2"/>
+          <p:cNvSpPr>
+            <a:spLocks noGrp="1"/>
+          </p:cNvSpPr>
+          <p:nvPr>
+            <p:ph type="body"/>
+          </p:nvPr>
+        </p:nvSpPr>
+        <p:spPr>
+          <a:xfrm>
+            <a:off x="457200" y="1604520"/>
+            <a:ext cx="4015800" cy="3977280"/>
+          </a:xfrm>
+          <a:prstGeom prst="rect">
+            <a:avLst/>
+          </a:prstGeom>
+        </p:spPr>
+        <p:txBody>
+          <a:bodyPr lIns="0" rIns="0" tIns="0" bIns="0"/>
+          <a:p>
+            <a:endParaRPr/>
+          </a:p>
+        </p:txBody>
+      </p:sp>
+      <p:sp>
+        <p:nvSpPr>
+          <p:cNvPr id="53" name="PlaceHolder 3"/>
+          <p:cNvSpPr>
+            <a:spLocks noGrp="1"/>
+          </p:cNvSpPr>
+          <p:nvPr>
+            <p:ph type="body"/>
+          </p:nvPr>
+        </p:nvSpPr>
+        <p:spPr>
+          <a:xfrm>
+            <a:off x="4674240" y="1604520"/>
+            <a:ext cx="4015800" cy="1896840"/>
+          </a:xfrm>
+          <a:prstGeom prst="rect">
+            <a:avLst/>
+          </a:prstGeom>
+        </p:spPr>
+        <p:txBody>
+          <a:bodyPr lIns="0" rIns="0" tIns="0" bIns="0"/>
+          <a:p>
+            <a:endParaRPr/>
+          </a:p>
+        </p:txBody>
+      </p:sp>
+      <p:sp>
+        <p:nvSpPr>
+          <p:cNvPr id="54" name="PlaceHolder 4"/>
+          <p:cNvSpPr>
+            <a:spLocks noGrp="1"/>
+          </p:cNvSpPr>
+          <p:nvPr>
+            <p:ph type="body"/>
+          </p:nvPr>
+        </p:nvSpPr>
+        <p:spPr>
+          <a:xfrm>
+            <a:off x="4674240" y="3682080"/>
+            <a:ext cx="4015800" cy="1896840"/>
           </a:xfrm>
           <a:prstGeom prst="rect">
             <a:avLst/>
@@ -1153,7 +1163,7 @@
       </p:grpSpPr>
       <p:sp>
         <p:nvSpPr>
-          <p:cNvPr id="61" name="PlaceHolder 1"/>
+          <p:cNvPr id="55" name="PlaceHolder 1"/>
           <p:cNvSpPr>
             <a:spLocks noGrp="1"/>
           </p:cNvSpPr>
@@ -1163,8 +1173,8 @@
         </p:nvSpPr>
         <p:spPr>
           <a:xfrm>
-            <a:off x="457200" y="274680"/>
-            <a:ext cx="8229240" cy="1143000"/>
+            <a:off x="457200" y="273600"/>
+            <a:ext cx="8229240" cy="1145160"/>
           </a:xfrm>
           <a:prstGeom prst="rect">
             <a:avLst/>
@@ -1173,76 +1183,77 @@
         <p:txBody>
           <a:bodyPr lIns="0" rIns="0" tIns="0" bIns="0" anchor="ctr"/>
           <a:p>
-            <a:endParaRPr/>
-          </a:p>
-        </p:txBody>
-      </p:sp>
-      <p:sp>
-        <p:nvSpPr>
-          <p:cNvPr id="62" name="PlaceHolder 2"/>
-          <p:cNvSpPr>
-            <a:spLocks noGrp="1"/>
-          </p:cNvSpPr>
-          <p:nvPr>
-            <p:ph type="body"/>
-          </p:nvPr>
-        </p:nvSpPr>
-        <p:spPr>
-          <a:xfrm>
-            <a:off x="457200" y="1600200"/>
-            <a:ext cx="4015800" cy="2158560"/>
-          </a:xfrm>
-          <a:prstGeom prst="rect">
-            <a:avLst/>
-          </a:prstGeom>
-        </p:spPr>
-        <p:txBody>
-          <a:bodyPr lIns="0" rIns="0" tIns="0" bIns="0"/>
-          <a:p>
-            <a:endParaRPr/>
-          </a:p>
-        </p:txBody>
-      </p:sp>
-      <p:sp>
-        <p:nvSpPr>
-          <p:cNvPr id="63" name="PlaceHolder 3"/>
-          <p:cNvSpPr>
-            <a:spLocks noGrp="1"/>
-          </p:cNvSpPr>
-          <p:nvPr>
-            <p:ph type="body"/>
-          </p:nvPr>
-        </p:nvSpPr>
-        <p:spPr>
-          <a:xfrm>
-            <a:off x="4674240" y="1600200"/>
-            <a:ext cx="4015800" cy="2158560"/>
-          </a:xfrm>
-          <a:prstGeom prst="rect">
-            <a:avLst/>
-          </a:prstGeom>
-        </p:spPr>
-        <p:txBody>
-          <a:bodyPr lIns="0" rIns="0" tIns="0" bIns="0"/>
-          <a:p>
-            <a:endParaRPr/>
-          </a:p>
-        </p:txBody>
-      </p:sp>
-      <p:sp>
-        <p:nvSpPr>
-          <p:cNvPr id="64" name="PlaceHolder 4"/>
-          <p:cNvSpPr>
-            <a:spLocks noGrp="1"/>
-          </p:cNvSpPr>
-          <p:nvPr>
-            <p:ph type="body"/>
-          </p:nvPr>
-        </p:nvSpPr>
-        <p:spPr>
-          <a:xfrm>
-            <a:off x="457200" y="3964320"/>
-            <a:ext cx="8229240" cy="2158560"/>
+            <a:pPr algn="ctr"/>
+            <a:endParaRPr/>
+          </a:p>
+        </p:txBody>
+      </p:sp>
+      <p:sp>
+        <p:nvSpPr>
+          <p:cNvPr id="56" name="PlaceHolder 2"/>
+          <p:cNvSpPr>
+            <a:spLocks noGrp="1"/>
+          </p:cNvSpPr>
+          <p:nvPr>
+            <p:ph type="body"/>
+          </p:nvPr>
+        </p:nvSpPr>
+        <p:spPr>
+          <a:xfrm>
+            <a:off x="457200" y="1604520"/>
+            <a:ext cx="4015800" cy="1896840"/>
+          </a:xfrm>
+          <a:prstGeom prst="rect">
+            <a:avLst/>
+          </a:prstGeom>
+        </p:spPr>
+        <p:txBody>
+          <a:bodyPr lIns="0" rIns="0" tIns="0" bIns="0"/>
+          <a:p>
+            <a:endParaRPr/>
+          </a:p>
+        </p:txBody>
+      </p:sp>
+      <p:sp>
+        <p:nvSpPr>
+          <p:cNvPr id="57" name="PlaceHolder 3"/>
+          <p:cNvSpPr>
+            <a:spLocks noGrp="1"/>
+          </p:cNvSpPr>
+          <p:nvPr>
+            <p:ph type="body"/>
+          </p:nvPr>
+        </p:nvSpPr>
+        <p:spPr>
+          <a:xfrm>
+            <a:off x="4674240" y="1604520"/>
+            <a:ext cx="4015800" cy="1896840"/>
+          </a:xfrm>
+          <a:prstGeom prst="rect">
+            <a:avLst/>
+          </a:prstGeom>
+        </p:spPr>
+        <p:txBody>
+          <a:bodyPr lIns="0" rIns="0" tIns="0" bIns="0"/>
+          <a:p>
+            <a:endParaRPr/>
+          </a:p>
+        </p:txBody>
+      </p:sp>
+      <p:sp>
+        <p:nvSpPr>
+          <p:cNvPr id="58" name="PlaceHolder 4"/>
+          <p:cNvSpPr>
+            <a:spLocks noGrp="1"/>
+          </p:cNvSpPr>
+          <p:nvPr>
+            <p:ph type="body"/>
+          </p:nvPr>
+        </p:nvSpPr>
+        <p:spPr>
+          <a:xfrm>
+            <a:off x="457200" y="3682080"/>
+            <a:ext cx="8229240" cy="1896840"/>
           </a:xfrm>
           <a:prstGeom prst="rect">
             <a:avLst/>
@@ -1279,7 +1290,7 @@
       </p:grpSpPr>
       <p:sp>
         <p:nvSpPr>
-          <p:cNvPr id="65" name="PlaceHolder 1"/>
+          <p:cNvPr id="59" name="PlaceHolder 1"/>
           <p:cNvSpPr>
             <a:spLocks noGrp="1"/>
           </p:cNvSpPr>
@@ -1289,8 +1300,8 @@
         </p:nvSpPr>
         <p:spPr>
           <a:xfrm>
-            <a:off x="457200" y="274680"/>
-            <a:ext cx="8229240" cy="1143000"/>
+            <a:off x="457200" y="273600"/>
+            <a:ext cx="8229240" cy="1145160"/>
           </a:xfrm>
           <a:prstGeom prst="rect">
             <a:avLst/>
@@ -1299,50 +1310,51 @@
         <p:txBody>
           <a:bodyPr lIns="0" rIns="0" tIns="0" bIns="0" anchor="ctr"/>
           <a:p>
-            <a:endParaRPr/>
-          </a:p>
-        </p:txBody>
-      </p:sp>
-      <p:sp>
-        <p:nvSpPr>
-          <p:cNvPr id="66" name="PlaceHolder 2"/>
-          <p:cNvSpPr>
-            <a:spLocks noGrp="1"/>
-          </p:cNvSpPr>
-          <p:nvPr>
-            <p:ph type="body"/>
-          </p:nvPr>
-        </p:nvSpPr>
-        <p:spPr>
-          <a:xfrm>
-            <a:off x="457200" y="1600200"/>
-            <a:ext cx="8229240" cy="2158560"/>
-          </a:xfrm>
-          <a:prstGeom prst="rect">
-            <a:avLst/>
-          </a:prstGeom>
-        </p:spPr>
-        <p:txBody>
-          <a:bodyPr lIns="0" rIns="0" tIns="0" bIns="0"/>
-          <a:p>
-            <a:endParaRPr/>
-          </a:p>
-        </p:txBody>
-      </p:sp>
-      <p:sp>
-        <p:nvSpPr>
-          <p:cNvPr id="67" name="PlaceHolder 3"/>
-          <p:cNvSpPr>
-            <a:spLocks noGrp="1"/>
-          </p:cNvSpPr>
-          <p:nvPr>
-            <p:ph type="body"/>
-          </p:nvPr>
-        </p:nvSpPr>
-        <p:spPr>
-          <a:xfrm>
-            <a:off x="457200" y="3964320"/>
-            <a:ext cx="8229240" cy="2158560"/>
+            <a:pPr algn="ctr"/>
+            <a:endParaRPr/>
+          </a:p>
+        </p:txBody>
+      </p:sp>
+      <p:sp>
+        <p:nvSpPr>
+          <p:cNvPr id="60" name="PlaceHolder 2"/>
+          <p:cNvSpPr>
+            <a:spLocks noGrp="1"/>
+          </p:cNvSpPr>
+          <p:nvPr>
+            <p:ph type="body"/>
+          </p:nvPr>
+        </p:nvSpPr>
+        <p:spPr>
+          <a:xfrm>
+            <a:off x="457200" y="1604520"/>
+            <a:ext cx="8229240" cy="1896840"/>
+          </a:xfrm>
+          <a:prstGeom prst="rect">
+            <a:avLst/>
+          </a:prstGeom>
+        </p:spPr>
+        <p:txBody>
+          <a:bodyPr lIns="0" rIns="0" tIns="0" bIns="0"/>
+          <a:p>
+            <a:endParaRPr/>
+          </a:p>
+        </p:txBody>
+      </p:sp>
+      <p:sp>
+        <p:nvSpPr>
+          <p:cNvPr id="61" name="PlaceHolder 3"/>
+          <p:cNvSpPr>
+            <a:spLocks noGrp="1"/>
+          </p:cNvSpPr>
+          <p:nvPr>
+            <p:ph type="body"/>
+          </p:nvPr>
+        </p:nvSpPr>
+        <p:spPr>
+          <a:xfrm>
+            <a:off x="457200" y="3682080"/>
+            <a:ext cx="8229240" cy="1896840"/>
           </a:xfrm>
           <a:prstGeom prst="rect">
             <a:avLst/>
@@ -1379,7 +1391,7 @@
       </p:grpSpPr>
       <p:sp>
         <p:nvSpPr>
-          <p:cNvPr id="68" name="PlaceHolder 1"/>
+          <p:cNvPr id="62" name="PlaceHolder 1"/>
           <p:cNvSpPr>
             <a:spLocks noGrp="1"/>
           </p:cNvSpPr>
@@ -1389,8 +1401,8 @@
         </p:nvSpPr>
         <p:spPr>
           <a:xfrm>
-            <a:off x="457200" y="274680"/>
-            <a:ext cx="8229240" cy="1143000"/>
+            <a:off x="457200" y="273600"/>
+            <a:ext cx="8229240" cy="1145160"/>
           </a:xfrm>
           <a:prstGeom prst="rect">
             <a:avLst/>
@@ -1399,102 +1411,103 @@
         <p:txBody>
           <a:bodyPr lIns="0" rIns="0" tIns="0" bIns="0" anchor="ctr"/>
           <a:p>
-            <a:endParaRPr/>
-          </a:p>
-        </p:txBody>
-      </p:sp>
-      <p:sp>
-        <p:nvSpPr>
-          <p:cNvPr id="69" name="PlaceHolder 2"/>
-          <p:cNvSpPr>
-            <a:spLocks noGrp="1"/>
-          </p:cNvSpPr>
-          <p:nvPr>
-            <p:ph type="body"/>
-          </p:nvPr>
-        </p:nvSpPr>
-        <p:spPr>
-          <a:xfrm>
-            <a:off x="457200" y="1600200"/>
-            <a:ext cx="4015800" cy="2158560"/>
-          </a:xfrm>
-          <a:prstGeom prst="rect">
-            <a:avLst/>
-          </a:prstGeom>
-        </p:spPr>
-        <p:txBody>
-          <a:bodyPr lIns="0" rIns="0" tIns="0" bIns="0"/>
-          <a:p>
-            <a:endParaRPr/>
-          </a:p>
-        </p:txBody>
-      </p:sp>
-      <p:sp>
-        <p:nvSpPr>
-          <p:cNvPr id="70" name="PlaceHolder 3"/>
-          <p:cNvSpPr>
-            <a:spLocks noGrp="1"/>
-          </p:cNvSpPr>
-          <p:nvPr>
-            <p:ph type="body"/>
-          </p:nvPr>
-        </p:nvSpPr>
-        <p:spPr>
-          <a:xfrm>
-            <a:off x="4674240" y="1600200"/>
-            <a:ext cx="4015800" cy="2158560"/>
-          </a:xfrm>
-          <a:prstGeom prst="rect">
-            <a:avLst/>
-          </a:prstGeom>
-        </p:spPr>
-        <p:txBody>
-          <a:bodyPr lIns="0" rIns="0" tIns="0" bIns="0"/>
-          <a:p>
-            <a:endParaRPr/>
-          </a:p>
-        </p:txBody>
-      </p:sp>
-      <p:sp>
-        <p:nvSpPr>
-          <p:cNvPr id="71" name="PlaceHolder 4"/>
-          <p:cNvSpPr>
-            <a:spLocks noGrp="1"/>
-          </p:cNvSpPr>
-          <p:nvPr>
-            <p:ph type="body"/>
-          </p:nvPr>
-        </p:nvSpPr>
-        <p:spPr>
-          <a:xfrm>
-            <a:off x="4674240" y="3964320"/>
-            <a:ext cx="4015800" cy="2158560"/>
-          </a:xfrm>
-          <a:prstGeom prst="rect">
-            <a:avLst/>
-          </a:prstGeom>
-        </p:spPr>
-        <p:txBody>
-          <a:bodyPr lIns="0" rIns="0" tIns="0" bIns="0"/>
-          <a:p>
-            <a:endParaRPr/>
-          </a:p>
-        </p:txBody>
-      </p:sp>
-      <p:sp>
-        <p:nvSpPr>
-          <p:cNvPr id="72" name="PlaceHolder 5"/>
-          <p:cNvSpPr>
-            <a:spLocks noGrp="1"/>
-          </p:cNvSpPr>
-          <p:nvPr>
-            <p:ph type="body"/>
-          </p:nvPr>
-        </p:nvSpPr>
-        <p:spPr>
-          <a:xfrm>
-            <a:off x="457200" y="3964320"/>
-            <a:ext cx="4015800" cy="2158560"/>
+            <a:pPr algn="ctr"/>
+            <a:endParaRPr/>
+          </a:p>
+        </p:txBody>
+      </p:sp>
+      <p:sp>
+        <p:nvSpPr>
+          <p:cNvPr id="63" name="PlaceHolder 2"/>
+          <p:cNvSpPr>
+            <a:spLocks noGrp="1"/>
+          </p:cNvSpPr>
+          <p:nvPr>
+            <p:ph type="body"/>
+          </p:nvPr>
+        </p:nvSpPr>
+        <p:spPr>
+          <a:xfrm>
+            <a:off x="457200" y="1604520"/>
+            <a:ext cx="4015800" cy="1896840"/>
+          </a:xfrm>
+          <a:prstGeom prst="rect">
+            <a:avLst/>
+          </a:prstGeom>
+        </p:spPr>
+        <p:txBody>
+          <a:bodyPr lIns="0" rIns="0" tIns="0" bIns="0"/>
+          <a:p>
+            <a:endParaRPr/>
+          </a:p>
+        </p:txBody>
+      </p:sp>
+      <p:sp>
+        <p:nvSpPr>
+          <p:cNvPr id="64" name="PlaceHolder 3"/>
+          <p:cNvSpPr>
+            <a:spLocks noGrp="1"/>
+          </p:cNvSpPr>
+          <p:nvPr>
+            <p:ph type="body"/>
+          </p:nvPr>
+        </p:nvSpPr>
+        <p:spPr>
+          <a:xfrm>
+            <a:off x="4674240" y="1604520"/>
+            <a:ext cx="4015800" cy="1896840"/>
+          </a:xfrm>
+          <a:prstGeom prst="rect">
+            <a:avLst/>
+          </a:prstGeom>
+        </p:spPr>
+        <p:txBody>
+          <a:bodyPr lIns="0" rIns="0" tIns="0" bIns="0"/>
+          <a:p>
+            <a:endParaRPr/>
+          </a:p>
+        </p:txBody>
+      </p:sp>
+      <p:sp>
+        <p:nvSpPr>
+          <p:cNvPr id="65" name="PlaceHolder 4"/>
+          <p:cNvSpPr>
+            <a:spLocks noGrp="1"/>
+          </p:cNvSpPr>
+          <p:nvPr>
+            <p:ph type="body"/>
+          </p:nvPr>
+        </p:nvSpPr>
+        <p:spPr>
+          <a:xfrm>
+            <a:off x="4674240" y="3682080"/>
+            <a:ext cx="4015800" cy="1896840"/>
+          </a:xfrm>
+          <a:prstGeom prst="rect">
+            <a:avLst/>
+          </a:prstGeom>
+        </p:spPr>
+        <p:txBody>
+          <a:bodyPr lIns="0" rIns="0" tIns="0" bIns="0"/>
+          <a:p>
+            <a:endParaRPr/>
+          </a:p>
+        </p:txBody>
+      </p:sp>
+      <p:sp>
+        <p:nvSpPr>
+          <p:cNvPr id="66" name="PlaceHolder 5"/>
+          <p:cNvSpPr>
+            <a:spLocks noGrp="1"/>
+          </p:cNvSpPr>
+          <p:nvPr>
+            <p:ph type="body"/>
+          </p:nvPr>
+        </p:nvSpPr>
+        <p:spPr>
+          <a:xfrm>
+            <a:off x="457200" y="3682080"/>
+            <a:ext cx="4015800" cy="1896840"/>
           </a:xfrm>
           <a:prstGeom prst="rect">
             <a:avLst/>
@@ -1531,7 +1544,7 @@
       </p:grpSpPr>
       <p:sp>
         <p:nvSpPr>
-          <p:cNvPr id="73" name="PlaceHolder 1"/>
+          <p:cNvPr id="67" name="PlaceHolder 1"/>
           <p:cNvSpPr>
             <a:spLocks noGrp="1"/>
           </p:cNvSpPr>
@@ -1541,8 +1554,8 @@
         </p:nvSpPr>
         <p:spPr>
           <a:xfrm>
-            <a:off x="457200" y="274680"/>
-            <a:ext cx="8229240" cy="1143000"/>
+            <a:off x="457200" y="273600"/>
+            <a:ext cx="8229240" cy="1145160"/>
           </a:xfrm>
           <a:prstGeom prst="rect">
             <a:avLst/>
@@ -1551,50 +1564,51 @@
         <p:txBody>
           <a:bodyPr lIns="0" rIns="0" tIns="0" bIns="0" anchor="ctr"/>
           <a:p>
-            <a:endParaRPr/>
-          </a:p>
-        </p:txBody>
-      </p:sp>
-      <p:sp>
-        <p:nvSpPr>
-          <p:cNvPr id="74" name="PlaceHolder 2"/>
-          <p:cNvSpPr>
-            <a:spLocks noGrp="1"/>
-          </p:cNvSpPr>
-          <p:nvPr>
-            <p:ph type="body"/>
-          </p:nvPr>
-        </p:nvSpPr>
-        <p:spPr>
-          <a:xfrm>
-            <a:off x="457200" y="1600200"/>
-            <a:ext cx="8229240" cy="4525560"/>
-          </a:xfrm>
-          <a:prstGeom prst="rect">
-            <a:avLst/>
-          </a:prstGeom>
-        </p:spPr>
-        <p:txBody>
-          <a:bodyPr lIns="0" rIns="0" tIns="0" bIns="0"/>
-          <a:p>
-            <a:endParaRPr/>
-          </a:p>
-        </p:txBody>
-      </p:sp>
-      <p:sp>
-        <p:nvSpPr>
-          <p:cNvPr id="75" name="PlaceHolder 3"/>
-          <p:cNvSpPr>
-            <a:spLocks noGrp="1"/>
-          </p:cNvSpPr>
-          <p:nvPr>
-            <p:ph type="body"/>
-          </p:nvPr>
-        </p:nvSpPr>
-        <p:spPr>
-          <a:xfrm>
-            <a:off x="457200" y="1600200"/>
-            <a:ext cx="8229240" cy="4525560"/>
+            <a:pPr algn="ctr"/>
+            <a:endParaRPr/>
+          </a:p>
+        </p:txBody>
+      </p:sp>
+      <p:sp>
+        <p:nvSpPr>
+          <p:cNvPr id="68" name="PlaceHolder 2"/>
+          <p:cNvSpPr>
+            <a:spLocks noGrp="1"/>
+          </p:cNvSpPr>
+          <p:nvPr>
+            <p:ph type="body"/>
+          </p:nvPr>
+        </p:nvSpPr>
+        <p:spPr>
+          <a:xfrm>
+            <a:off x="457200" y="1604520"/>
+            <a:ext cx="8229240" cy="3977280"/>
+          </a:xfrm>
+          <a:prstGeom prst="rect">
+            <a:avLst/>
+          </a:prstGeom>
+        </p:spPr>
+        <p:txBody>
+          <a:bodyPr lIns="0" rIns="0" tIns="0" bIns="0"/>
+          <a:p>
+            <a:endParaRPr/>
+          </a:p>
+        </p:txBody>
+      </p:sp>
+      <p:sp>
+        <p:nvSpPr>
+          <p:cNvPr id="69" name="PlaceHolder 3"/>
+          <p:cNvSpPr>
+            <a:spLocks noGrp="1"/>
+          </p:cNvSpPr>
+          <p:nvPr>
+            <p:ph type="body"/>
+          </p:nvPr>
+        </p:nvSpPr>
+        <p:spPr>
+          <a:xfrm>
+            <a:off x="457200" y="1604520"/>
+            <a:ext cx="8229240" cy="3977280"/>
           </a:xfrm>
           <a:prstGeom prst="rect">
             <a:avLst/>
@@ -1609,7 +1623,7 @@
       </p:sp>
       <p:pic>
         <p:nvPicPr>
-          <p:cNvPr id="76" name="" descr=""/>
+          <p:cNvPr id="70" name="" descr=""/>
           <p:cNvPicPr/>
           <p:nvPr/>
         </p:nvPicPr>
@@ -1621,8 +1635,8 @@
         </p:blipFill>
         <p:spPr>
           <a:xfrm>
-            <a:off x="1735560" y="1599840"/>
-            <a:ext cx="5671800" cy="4525560"/>
+            <a:off x="2079000" y="1604520"/>
+            <a:ext cx="4984920" cy="3977280"/>
           </a:xfrm>
           <a:prstGeom prst="rect">
             <a:avLst/>
@@ -1634,7 +1648,7 @@
       </p:pic>
       <p:pic>
         <p:nvPicPr>
-          <p:cNvPr id="77" name="" descr=""/>
+          <p:cNvPr id="71" name="" descr=""/>
           <p:cNvPicPr/>
           <p:nvPr/>
         </p:nvPicPr>
@@ -1646,8 +1660,8 @@
         </p:blipFill>
         <p:spPr>
           <a:xfrm>
-            <a:off x="1735560" y="1599840"/>
-            <a:ext cx="5671800" cy="4525560"/>
+            <a:off x="2079000" y="1604520"/>
+            <a:ext cx="4984920" cy="3977280"/>
           </a:xfrm>
           <a:prstGeom prst="rect">
             <a:avLst/>
@@ -1681,7 +1695,7 @@
       </p:grpSpPr>
       <p:sp>
         <p:nvSpPr>
-          <p:cNvPr id="7" name="PlaceHolder 1"/>
+          <p:cNvPr id="4" name="PlaceHolder 1"/>
           <p:cNvSpPr>
             <a:spLocks noGrp="1"/>
           </p:cNvSpPr>
@@ -1691,8 +1705,8 @@
         </p:nvSpPr>
         <p:spPr>
           <a:xfrm>
-            <a:off x="457200" y="274680"/>
-            <a:ext cx="8229240" cy="1143000"/>
+            <a:off x="457200" y="273600"/>
+            <a:ext cx="8229240" cy="1145160"/>
           </a:xfrm>
           <a:prstGeom prst="rect">
             <a:avLst/>
@@ -1701,24 +1715,25 @@
         <p:txBody>
           <a:bodyPr lIns="0" rIns="0" tIns="0" bIns="0" anchor="ctr"/>
           <a:p>
-            <a:endParaRPr/>
-          </a:p>
-        </p:txBody>
-      </p:sp>
-      <p:sp>
-        <p:nvSpPr>
-          <p:cNvPr id="8" name="PlaceHolder 2"/>
-          <p:cNvSpPr>
-            <a:spLocks noGrp="1"/>
-          </p:cNvSpPr>
-          <p:nvPr>
-            <p:ph type="body"/>
-          </p:nvPr>
-        </p:nvSpPr>
-        <p:spPr>
-          <a:xfrm>
-            <a:off x="457200" y="1600200"/>
-            <a:ext cx="8229240" cy="4525560"/>
+            <a:pPr algn="ctr"/>
+            <a:endParaRPr/>
+          </a:p>
+        </p:txBody>
+      </p:sp>
+      <p:sp>
+        <p:nvSpPr>
+          <p:cNvPr id="5" name="PlaceHolder 2"/>
+          <p:cNvSpPr>
+            <a:spLocks noGrp="1"/>
+          </p:cNvSpPr>
+          <p:nvPr>
+            <p:ph type="body"/>
+          </p:nvPr>
+        </p:nvSpPr>
+        <p:spPr>
+          <a:xfrm>
+            <a:off x="457200" y="1604520"/>
+            <a:ext cx="8229240" cy="3977280"/>
           </a:xfrm>
           <a:prstGeom prst="rect">
             <a:avLst/>
@@ -1755,7 +1770,7 @@
       </p:grpSpPr>
       <p:sp>
         <p:nvSpPr>
-          <p:cNvPr id="9" name="PlaceHolder 1"/>
+          <p:cNvPr id="6" name="PlaceHolder 1"/>
           <p:cNvSpPr>
             <a:spLocks noGrp="1"/>
           </p:cNvSpPr>
@@ -1765,8 +1780,8 @@
         </p:nvSpPr>
         <p:spPr>
           <a:xfrm>
-            <a:off x="457200" y="274680"/>
-            <a:ext cx="8229240" cy="1143000"/>
+            <a:off x="457200" y="273600"/>
+            <a:ext cx="8229240" cy="1145160"/>
           </a:xfrm>
           <a:prstGeom prst="rect">
             <a:avLst/>
@@ -1775,50 +1790,51 @@
         <p:txBody>
           <a:bodyPr lIns="0" rIns="0" tIns="0" bIns="0" anchor="ctr"/>
           <a:p>
-            <a:endParaRPr/>
-          </a:p>
-        </p:txBody>
-      </p:sp>
-      <p:sp>
-        <p:nvSpPr>
-          <p:cNvPr id="10" name="PlaceHolder 2"/>
-          <p:cNvSpPr>
-            <a:spLocks noGrp="1"/>
-          </p:cNvSpPr>
-          <p:nvPr>
-            <p:ph type="body"/>
-          </p:nvPr>
-        </p:nvSpPr>
-        <p:spPr>
-          <a:xfrm>
-            <a:off x="457200" y="1600200"/>
-            <a:ext cx="4015800" cy="4525560"/>
-          </a:xfrm>
-          <a:prstGeom prst="rect">
-            <a:avLst/>
-          </a:prstGeom>
-        </p:spPr>
-        <p:txBody>
-          <a:bodyPr lIns="0" rIns="0" tIns="0" bIns="0"/>
-          <a:p>
-            <a:endParaRPr/>
-          </a:p>
-        </p:txBody>
-      </p:sp>
-      <p:sp>
-        <p:nvSpPr>
-          <p:cNvPr id="11" name="PlaceHolder 3"/>
-          <p:cNvSpPr>
-            <a:spLocks noGrp="1"/>
-          </p:cNvSpPr>
-          <p:nvPr>
-            <p:ph type="body"/>
-          </p:nvPr>
-        </p:nvSpPr>
-        <p:spPr>
-          <a:xfrm>
-            <a:off x="4674240" y="1600200"/>
-            <a:ext cx="4015800" cy="4525560"/>
+            <a:pPr algn="ctr"/>
+            <a:endParaRPr/>
+          </a:p>
+        </p:txBody>
+      </p:sp>
+      <p:sp>
+        <p:nvSpPr>
+          <p:cNvPr id="7" name="PlaceHolder 2"/>
+          <p:cNvSpPr>
+            <a:spLocks noGrp="1"/>
+          </p:cNvSpPr>
+          <p:nvPr>
+            <p:ph type="body"/>
+          </p:nvPr>
+        </p:nvSpPr>
+        <p:spPr>
+          <a:xfrm>
+            <a:off x="457200" y="1604520"/>
+            <a:ext cx="4015800" cy="3977280"/>
+          </a:xfrm>
+          <a:prstGeom prst="rect">
+            <a:avLst/>
+          </a:prstGeom>
+        </p:spPr>
+        <p:txBody>
+          <a:bodyPr lIns="0" rIns="0" tIns="0" bIns="0"/>
+          <a:p>
+            <a:endParaRPr/>
+          </a:p>
+        </p:txBody>
+      </p:sp>
+      <p:sp>
+        <p:nvSpPr>
+          <p:cNvPr id="8" name="PlaceHolder 3"/>
+          <p:cNvSpPr>
+            <a:spLocks noGrp="1"/>
+          </p:cNvSpPr>
+          <p:nvPr>
+            <p:ph type="body"/>
+          </p:nvPr>
+        </p:nvSpPr>
+        <p:spPr>
+          <a:xfrm>
+            <a:off x="4674240" y="1604520"/>
+            <a:ext cx="4015800" cy="3977280"/>
           </a:xfrm>
           <a:prstGeom prst="rect">
             <a:avLst/>
@@ -1855,7 +1871,7 @@
       </p:grpSpPr>
       <p:sp>
         <p:nvSpPr>
-          <p:cNvPr id="12" name="PlaceHolder 1"/>
+          <p:cNvPr id="9" name="PlaceHolder 1"/>
           <p:cNvSpPr>
             <a:spLocks noGrp="1"/>
           </p:cNvSpPr>
@@ -1865,8 +1881,8 @@
         </p:nvSpPr>
         <p:spPr>
           <a:xfrm>
-            <a:off x="457200" y="274680"/>
-            <a:ext cx="8229240" cy="1143000"/>
+            <a:off x="457200" y="273600"/>
+            <a:ext cx="8229240" cy="1145160"/>
           </a:xfrm>
           <a:prstGeom prst="rect">
             <a:avLst/>
@@ -1875,6 +1891,7 @@
         <p:txBody>
           <a:bodyPr lIns="0" rIns="0" tIns="0" bIns="0" anchor="ctr"/>
           <a:p>
+            <a:pPr algn="ctr"/>
             <a:endParaRPr/>
           </a:p>
         </p:txBody>
@@ -1903,7 +1920,7 @@
       </p:grpSpPr>
       <p:sp>
         <p:nvSpPr>
-          <p:cNvPr id="13" name="PlaceHolder 1"/>
+          <p:cNvPr id="10" name="PlaceHolder 1"/>
           <p:cNvSpPr>
             <a:spLocks noGrp="1"/>
           </p:cNvSpPr>
@@ -1913,8 +1930,8 @@
         </p:nvSpPr>
         <p:spPr>
           <a:xfrm>
-            <a:off x="457200" y="274680"/>
-            <a:ext cx="8229240" cy="5298120"/>
+            <a:off x="457200" y="273600"/>
+            <a:ext cx="8229240" cy="5308200"/>
           </a:xfrm>
           <a:prstGeom prst="rect">
             <a:avLst/>
@@ -1952,7 +1969,7 @@
       </p:grpSpPr>
       <p:sp>
         <p:nvSpPr>
-          <p:cNvPr id="14" name="PlaceHolder 1"/>
+          <p:cNvPr id="11" name="PlaceHolder 1"/>
           <p:cNvSpPr>
             <a:spLocks noGrp="1"/>
           </p:cNvSpPr>
@@ -1962,8 +1979,8 @@
         </p:nvSpPr>
         <p:spPr>
           <a:xfrm>
-            <a:off x="457200" y="274680"/>
-            <a:ext cx="8229240" cy="1143000"/>
+            <a:off x="457200" y="273600"/>
+            <a:ext cx="8229240" cy="1145160"/>
           </a:xfrm>
           <a:prstGeom prst="rect">
             <a:avLst/>
@@ -1972,76 +1989,77 @@
         <p:txBody>
           <a:bodyPr lIns="0" rIns="0" tIns="0" bIns="0" anchor="ctr"/>
           <a:p>
-            <a:endParaRPr/>
-          </a:p>
-        </p:txBody>
-      </p:sp>
-      <p:sp>
-        <p:nvSpPr>
-          <p:cNvPr id="15" name="PlaceHolder 2"/>
-          <p:cNvSpPr>
-            <a:spLocks noGrp="1"/>
-          </p:cNvSpPr>
-          <p:nvPr>
-            <p:ph type="body"/>
-          </p:nvPr>
-        </p:nvSpPr>
-        <p:spPr>
-          <a:xfrm>
-            <a:off x="457200" y="1600200"/>
-            <a:ext cx="4015800" cy="2158560"/>
-          </a:xfrm>
-          <a:prstGeom prst="rect">
-            <a:avLst/>
-          </a:prstGeom>
-        </p:spPr>
-        <p:txBody>
-          <a:bodyPr lIns="0" rIns="0" tIns="0" bIns="0"/>
-          <a:p>
-            <a:endParaRPr/>
-          </a:p>
-        </p:txBody>
-      </p:sp>
-      <p:sp>
-        <p:nvSpPr>
-          <p:cNvPr id="16" name="PlaceHolder 3"/>
-          <p:cNvSpPr>
-            <a:spLocks noGrp="1"/>
-          </p:cNvSpPr>
-          <p:nvPr>
-            <p:ph type="body"/>
-          </p:nvPr>
-        </p:nvSpPr>
-        <p:spPr>
-          <a:xfrm>
-            <a:off x="457200" y="3964320"/>
-            <a:ext cx="4015800" cy="2158560"/>
-          </a:xfrm>
-          <a:prstGeom prst="rect">
-            <a:avLst/>
-          </a:prstGeom>
-        </p:spPr>
-        <p:txBody>
-          <a:bodyPr lIns="0" rIns="0" tIns="0" bIns="0"/>
-          <a:p>
-            <a:endParaRPr/>
-          </a:p>
-        </p:txBody>
-      </p:sp>
-      <p:sp>
-        <p:nvSpPr>
-          <p:cNvPr id="17" name="PlaceHolder 4"/>
-          <p:cNvSpPr>
-            <a:spLocks noGrp="1"/>
-          </p:cNvSpPr>
-          <p:nvPr>
-            <p:ph type="body"/>
-          </p:nvPr>
-        </p:nvSpPr>
-        <p:spPr>
-          <a:xfrm>
-            <a:off x="4674240" y="1600200"/>
-            <a:ext cx="4015800" cy="4525560"/>
+            <a:pPr algn="ctr"/>
+            <a:endParaRPr/>
+          </a:p>
+        </p:txBody>
+      </p:sp>
+      <p:sp>
+        <p:nvSpPr>
+          <p:cNvPr id="12" name="PlaceHolder 2"/>
+          <p:cNvSpPr>
+            <a:spLocks noGrp="1"/>
+          </p:cNvSpPr>
+          <p:nvPr>
+            <p:ph type="body"/>
+          </p:nvPr>
+        </p:nvSpPr>
+        <p:spPr>
+          <a:xfrm>
+            <a:off x="457200" y="1604520"/>
+            <a:ext cx="4015800" cy="1896840"/>
+          </a:xfrm>
+          <a:prstGeom prst="rect">
+            <a:avLst/>
+          </a:prstGeom>
+        </p:spPr>
+        <p:txBody>
+          <a:bodyPr lIns="0" rIns="0" tIns="0" bIns="0"/>
+          <a:p>
+            <a:endParaRPr/>
+          </a:p>
+        </p:txBody>
+      </p:sp>
+      <p:sp>
+        <p:nvSpPr>
+          <p:cNvPr id="13" name="PlaceHolder 3"/>
+          <p:cNvSpPr>
+            <a:spLocks noGrp="1"/>
+          </p:cNvSpPr>
+          <p:nvPr>
+            <p:ph type="body"/>
+          </p:nvPr>
+        </p:nvSpPr>
+        <p:spPr>
+          <a:xfrm>
+            <a:off x="457200" y="3682080"/>
+            <a:ext cx="4015800" cy="1896840"/>
+          </a:xfrm>
+          <a:prstGeom prst="rect">
+            <a:avLst/>
+          </a:prstGeom>
+        </p:spPr>
+        <p:txBody>
+          <a:bodyPr lIns="0" rIns="0" tIns="0" bIns="0"/>
+          <a:p>
+            <a:endParaRPr/>
+          </a:p>
+        </p:txBody>
+      </p:sp>
+      <p:sp>
+        <p:nvSpPr>
+          <p:cNvPr id="14" name="PlaceHolder 4"/>
+          <p:cNvSpPr>
+            <a:spLocks noGrp="1"/>
+          </p:cNvSpPr>
+          <p:nvPr>
+            <p:ph type="body"/>
+          </p:nvPr>
+        </p:nvSpPr>
+        <p:spPr>
+          <a:xfrm>
+            <a:off x="4674240" y="1604520"/>
+            <a:ext cx="4015800" cy="3977280"/>
           </a:xfrm>
           <a:prstGeom prst="rect">
             <a:avLst/>
@@ -2078,7 +2096,7 @@
       </p:grpSpPr>
       <p:sp>
         <p:nvSpPr>
-          <p:cNvPr id="18" name="PlaceHolder 1"/>
+          <p:cNvPr id="15" name="PlaceHolder 1"/>
           <p:cNvSpPr>
             <a:spLocks noGrp="1"/>
           </p:cNvSpPr>
@@ -2088,8 +2106,8 @@
         </p:nvSpPr>
         <p:spPr>
           <a:xfrm>
-            <a:off x="457200" y="274680"/>
-            <a:ext cx="8229240" cy="1143000"/>
+            <a:off x="457200" y="273600"/>
+            <a:ext cx="8229240" cy="1145160"/>
           </a:xfrm>
           <a:prstGeom prst="rect">
             <a:avLst/>
@@ -2098,76 +2116,77 @@
         <p:txBody>
           <a:bodyPr lIns="0" rIns="0" tIns="0" bIns="0" anchor="ctr"/>
           <a:p>
-            <a:endParaRPr/>
-          </a:p>
-        </p:txBody>
-      </p:sp>
-      <p:sp>
-        <p:nvSpPr>
-          <p:cNvPr id="19" name="PlaceHolder 2"/>
-          <p:cNvSpPr>
-            <a:spLocks noGrp="1"/>
-          </p:cNvSpPr>
-          <p:nvPr>
-            <p:ph type="body"/>
-          </p:nvPr>
-        </p:nvSpPr>
-        <p:spPr>
-          <a:xfrm>
-            <a:off x="457200" y="1600200"/>
-            <a:ext cx="4015800" cy="4525560"/>
-          </a:xfrm>
-          <a:prstGeom prst="rect">
-            <a:avLst/>
-          </a:prstGeom>
-        </p:spPr>
-        <p:txBody>
-          <a:bodyPr lIns="0" rIns="0" tIns="0" bIns="0"/>
-          <a:p>
-            <a:endParaRPr/>
-          </a:p>
-        </p:txBody>
-      </p:sp>
-      <p:sp>
-        <p:nvSpPr>
-          <p:cNvPr id="20" name="PlaceHolder 3"/>
-          <p:cNvSpPr>
-            <a:spLocks noGrp="1"/>
-          </p:cNvSpPr>
-          <p:nvPr>
-            <p:ph type="body"/>
-          </p:nvPr>
-        </p:nvSpPr>
-        <p:spPr>
-          <a:xfrm>
-            <a:off x="4674240" y="1600200"/>
-            <a:ext cx="4015800" cy="2158560"/>
-          </a:xfrm>
-          <a:prstGeom prst="rect">
-            <a:avLst/>
-          </a:prstGeom>
-        </p:spPr>
-        <p:txBody>
-          <a:bodyPr lIns="0" rIns="0" tIns="0" bIns="0"/>
-          <a:p>
-            <a:endParaRPr/>
-          </a:p>
-        </p:txBody>
-      </p:sp>
-      <p:sp>
-        <p:nvSpPr>
-          <p:cNvPr id="21" name="PlaceHolder 4"/>
-          <p:cNvSpPr>
-            <a:spLocks noGrp="1"/>
-          </p:cNvSpPr>
-          <p:nvPr>
-            <p:ph type="body"/>
-          </p:nvPr>
-        </p:nvSpPr>
-        <p:spPr>
-          <a:xfrm>
-            <a:off x="4674240" y="3964320"/>
-            <a:ext cx="4015800" cy="2158560"/>
+            <a:pPr algn="ctr"/>
+            <a:endParaRPr/>
+          </a:p>
+        </p:txBody>
+      </p:sp>
+      <p:sp>
+        <p:nvSpPr>
+          <p:cNvPr id="16" name="PlaceHolder 2"/>
+          <p:cNvSpPr>
+            <a:spLocks noGrp="1"/>
+          </p:cNvSpPr>
+          <p:nvPr>
+            <p:ph type="body"/>
+          </p:nvPr>
+        </p:nvSpPr>
+        <p:spPr>
+          <a:xfrm>
+            <a:off x="457200" y="1604520"/>
+            <a:ext cx="4015800" cy="3977280"/>
+          </a:xfrm>
+          <a:prstGeom prst="rect">
+            <a:avLst/>
+          </a:prstGeom>
+        </p:spPr>
+        <p:txBody>
+          <a:bodyPr lIns="0" rIns="0" tIns="0" bIns="0"/>
+          <a:p>
+            <a:endParaRPr/>
+          </a:p>
+        </p:txBody>
+      </p:sp>
+      <p:sp>
+        <p:nvSpPr>
+          <p:cNvPr id="17" name="PlaceHolder 3"/>
+          <p:cNvSpPr>
+            <a:spLocks noGrp="1"/>
+          </p:cNvSpPr>
+          <p:nvPr>
+            <p:ph type="body"/>
+          </p:nvPr>
+        </p:nvSpPr>
+        <p:spPr>
+          <a:xfrm>
+            <a:off x="4674240" y="1604520"/>
+            <a:ext cx="4015800" cy="1896840"/>
+          </a:xfrm>
+          <a:prstGeom prst="rect">
+            <a:avLst/>
+          </a:prstGeom>
+        </p:spPr>
+        <p:txBody>
+          <a:bodyPr lIns="0" rIns="0" tIns="0" bIns="0"/>
+          <a:p>
+            <a:endParaRPr/>
+          </a:p>
+        </p:txBody>
+      </p:sp>
+      <p:sp>
+        <p:nvSpPr>
+          <p:cNvPr id="18" name="PlaceHolder 4"/>
+          <p:cNvSpPr>
+            <a:spLocks noGrp="1"/>
+          </p:cNvSpPr>
+          <p:nvPr>
+            <p:ph type="body"/>
+          </p:nvPr>
+        </p:nvSpPr>
+        <p:spPr>
+          <a:xfrm>
+            <a:off x="4674240" y="3682080"/>
+            <a:ext cx="4015800" cy="1896840"/>
           </a:xfrm>
           <a:prstGeom prst="rect">
             <a:avLst/>
@@ -2204,7 +2223,7 @@
       </p:grpSpPr>
       <p:sp>
         <p:nvSpPr>
-          <p:cNvPr id="22" name="PlaceHolder 1"/>
+          <p:cNvPr id="19" name="PlaceHolder 1"/>
           <p:cNvSpPr>
             <a:spLocks noGrp="1"/>
           </p:cNvSpPr>
@@ -2214,8 +2233,8 @@
         </p:nvSpPr>
         <p:spPr>
           <a:xfrm>
-            <a:off x="457200" y="274680"/>
-            <a:ext cx="8229240" cy="1143000"/>
+            <a:off x="457200" y="273600"/>
+            <a:ext cx="8229240" cy="1145160"/>
           </a:xfrm>
           <a:prstGeom prst="rect">
             <a:avLst/>
@@ -2224,76 +2243,77 @@
         <p:txBody>
           <a:bodyPr lIns="0" rIns="0" tIns="0" bIns="0" anchor="ctr"/>
           <a:p>
-            <a:endParaRPr/>
-          </a:p>
-        </p:txBody>
-      </p:sp>
-      <p:sp>
-        <p:nvSpPr>
-          <p:cNvPr id="23" name="PlaceHolder 2"/>
-          <p:cNvSpPr>
-            <a:spLocks noGrp="1"/>
-          </p:cNvSpPr>
-          <p:nvPr>
-            <p:ph type="body"/>
-          </p:nvPr>
-        </p:nvSpPr>
-        <p:spPr>
-          <a:xfrm>
-            <a:off x="457200" y="1600200"/>
-            <a:ext cx="4015800" cy="2158560"/>
-          </a:xfrm>
-          <a:prstGeom prst="rect">
-            <a:avLst/>
-          </a:prstGeom>
-        </p:spPr>
-        <p:txBody>
-          <a:bodyPr lIns="0" rIns="0" tIns="0" bIns="0"/>
-          <a:p>
-            <a:endParaRPr/>
-          </a:p>
-        </p:txBody>
-      </p:sp>
-      <p:sp>
-        <p:nvSpPr>
-          <p:cNvPr id="24" name="PlaceHolder 3"/>
-          <p:cNvSpPr>
-            <a:spLocks noGrp="1"/>
-          </p:cNvSpPr>
-          <p:nvPr>
-            <p:ph type="body"/>
-          </p:nvPr>
-        </p:nvSpPr>
-        <p:spPr>
-          <a:xfrm>
-            <a:off x="4674240" y="1600200"/>
-            <a:ext cx="4015800" cy="2158560"/>
-          </a:xfrm>
-          <a:prstGeom prst="rect">
-            <a:avLst/>
-          </a:prstGeom>
-        </p:spPr>
-        <p:txBody>
-          <a:bodyPr lIns="0" rIns="0" tIns="0" bIns="0"/>
-          <a:p>
-            <a:endParaRPr/>
-          </a:p>
-        </p:txBody>
-      </p:sp>
-      <p:sp>
-        <p:nvSpPr>
-          <p:cNvPr id="25" name="PlaceHolder 4"/>
-          <p:cNvSpPr>
-            <a:spLocks noGrp="1"/>
-          </p:cNvSpPr>
-          <p:nvPr>
-            <p:ph type="body"/>
-          </p:nvPr>
-        </p:nvSpPr>
-        <p:spPr>
-          <a:xfrm>
-            <a:off x="457200" y="3964320"/>
-            <a:ext cx="8229240" cy="2158560"/>
+            <a:pPr algn="ctr"/>
+            <a:endParaRPr/>
+          </a:p>
+        </p:txBody>
+      </p:sp>
+      <p:sp>
+        <p:nvSpPr>
+          <p:cNvPr id="20" name="PlaceHolder 2"/>
+          <p:cNvSpPr>
+            <a:spLocks noGrp="1"/>
+          </p:cNvSpPr>
+          <p:nvPr>
+            <p:ph type="body"/>
+          </p:nvPr>
+        </p:nvSpPr>
+        <p:spPr>
+          <a:xfrm>
+            <a:off x="457200" y="1604520"/>
+            <a:ext cx="4015800" cy="1896840"/>
+          </a:xfrm>
+          <a:prstGeom prst="rect">
+            <a:avLst/>
+          </a:prstGeom>
+        </p:spPr>
+        <p:txBody>
+          <a:bodyPr lIns="0" rIns="0" tIns="0" bIns="0"/>
+          <a:p>
+            <a:endParaRPr/>
+          </a:p>
+        </p:txBody>
+      </p:sp>
+      <p:sp>
+        <p:nvSpPr>
+          <p:cNvPr id="21" name="PlaceHolder 3"/>
+          <p:cNvSpPr>
+            <a:spLocks noGrp="1"/>
+          </p:cNvSpPr>
+          <p:nvPr>
+            <p:ph type="body"/>
+          </p:nvPr>
+        </p:nvSpPr>
+        <p:spPr>
+          <a:xfrm>
+            <a:off x="4674240" y="1604520"/>
+            <a:ext cx="4015800" cy="1896840"/>
+          </a:xfrm>
+          <a:prstGeom prst="rect">
+            <a:avLst/>
+          </a:prstGeom>
+        </p:spPr>
+        <p:txBody>
+          <a:bodyPr lIns="0" rIns="0" tIns="0" bIns="0"/>
+          <a:p>
+            <a:endParaRPr/>
+          </a:p>
+        </p:txBody>
+      </p:sp>
+      <p:sp>
+        <p:nvSpPr>
+          <p:cNvPr id="22" name="PlaceHolder 4"/>
+          <p:cNvSpPr>
+            <a:spLocks noGrp="1"/>
+          </p:cNvSpPr>
+          <p:nvPr>
+            <p:ph type="body"/>
+          </p:nvPr>
+        </p:nvSpPr>
+        <p:spPr>
+          <a:xfrm>
+            <a:off x="457200" y="3682080"/>
+            <a:ext cx="8229240" cy="1896840"/>
           </a:xfrm>
           <a:prstGeom prst="rect">
             <a:avLst/>
@@ -2347,29 +2367,21 @@
         </p:nvSpPr>
         <p:spPr>
           <a:xfrm>
-            <a:off x="685800" y="2130480"/>
-            <a:ext cx="7772040" cy="1469520"/>
-          </a:xfrm>
-          <a:prstGeom prst="rect">
-            <a:avLst/>
-          </a:prstGeom>
-        </p:spPr>
-        <p:txBody>
-          <a:bodyPr anchor="ctr"/>
-          <a:p>
-            <a:pPr algn="ctr">
-              <a:lnSpc>
-                <a:spcPct val="100000"/>
-              </a:lnSpc>
-            </a:pPr>
-            <a:r>
-              <a:rPr lang="en-US" sz="4400">
-                <a:solidFill>
-                  <a:srgbClr val="000000"/>
-                </a:solidFill>
-                <a:latin typeface="Calibri"/>
-              </a:rPr>
-              <a:t>Click to edit the title text formatClick to edit Master title style</a:t>
+            <a:off x="457200" y="274680"/>
+            <a:ext cx="8228880" cy="1142640"/>
+          </a:xfrm>
+          <a:prstGeom prst="rect">
+            <a:avLst/>
+          </a:prstGeom>
+        </p:spPr>
+        <p:txBody>
+          <a:bodyPr lIns="0" rIns="0" tIns="0" bIns="0" anchor="ctr"/>
+          <a:p>
+            <a:r>
+              <a:rPr lang="en-IN">
+                <a:latin typeface="Arial"/>
+              </a:rPr>
+              <a:t>Click to edit the title text format</a:t>
             </a:r>
             <a:endParaRPr/>
           </a:p>
@@ -2378,112 +2390,6 @@
       <p:sp>
         <p:nvSpPr>
           <p:cNvPr id="1" name="PlaceHolder 2"/>
-          <p:cNvSpPr>
-            <a:spLocks noGrp="1"/>
-          </p:cNvSpPr>
-          <p:nvPr>
-            <p:ph type="dt"/>
-          </p:nvPr>
-        </p:nvSpPr>
-        <p:spPr>
-          <a:xfrm>
-            <a:off x="457200" y="6356520"/>
-            <a:ext cx="2133360" cy="364680"/>
-          </a:xfrm>
-          <a:prstGeom prst="rect">
-            <a:avLst/>
-          </a:prstGeom>
-        </p:spPr>
-        <p:txBody>
-          <a:bodyPr anchor="ctr"/>
-          <a:p>
-            <a:pPr>
-              <a:lnSpc>
-                <a:spcPct val="100000"/>
-              </a:lnSpc>
-            </a:pPr>
-            <a:r>
-              <a:rPr lang="en-IN" sz="1200">
-                <a:solidFill>
-                  <a:srgbClr val="8b8b8b"/>
-                </a:solidFill>
-                <a:latin typeface="Calibri"/>
-              </a:rPr>
-              <a:t>12/10/15</a:t>
-            </a:r>
-            <a:endParaRPr/>
-          </a:p>
-        </p:txBody>
-      </p:sp>
-      <p:sp>
-        <p:nvSpPr>
-          <p:cNvPr id="2" name="PlaceHolder 3"/>
-          <p:cNvSpPr>
-            <a:spLocks noGrp="1"/>
-          </p:cNvSpPr>
-          <p:nvPr>
-            <p:ph type="ftr"/>
-          </p:nvPr>
-        </p:nvSpPr>
-        <p:spPr>
-          <a:xfrm>
-            <a:off x="3124080" y="6356520"/>
-            <a:ext cx="2895120" cy="364680"/>
-          </a:xfrm>
-          <a:prstGeom prst="rect">
-            <a:avLst/>
-          </a:prstGeom>
-        </p:spPr>
-        <p:txBody>
-          <a:bodyPr anchor="ctr"/>
-          <a:p>
-            <a:endParaRPr/>
-          </a:p>
-        </p:txBody>
-      </p:sp>
-      <p:sp>
-        <p:nvSpPr>
-          <p:cNvPr id="3" name="PlaceHolder 4"/>
-          <p:cNvSpPr>
-            <a:spLocks noGrp="1"/>
-          </p:cNvSpPr>
-          <p:nvPr>
-            <p:ph type="sldNum"/>
-          </p:nvPr>
-        </p:nvSpPr>
-        <p:spPr>
-          <a:xfrm>
-            <a:off x="6553080" y="6356520"/>
-            <a:ext cx="2133360" cy="364680"/>
-          </a:xfrm>
-          <a:prstGeom prst="rect">
-            <a:avLst/>
-          </a:prstGeom>
-        </p:spPr>
-        <p:txBody>
-          <a:bodyPr anchor="ctr"/>
-          <a:p>
-            <a:pPr algn="r">
-              <a:lnSpc>
-                <a:spcPct val="100000"/>
-              </a:lnSpc>
-            </a:pPr>
-            <a:fld id="{AA292E46-0CA4-4934-ACAD-F55D0D3B26F4}" type="slidenum">
-              <a:rPr lang="en-IN" sz="1200">
-                <a:solidFill>
-                  <a:srgbClr val="8b8b8b"/>
-                </a:solidFill>
-                <a:latin typeface="Calibri"/>
-              </a:rPr>
-              <a:t>&lt;number&gt;</a:t>
-            </a:fld>
-            <a:endParaRPr/>
-          </a:p>
-        </p:txBody>
-      </p:sp>
-      <p:sp>
-        <p:nvSpPr>
-          <p:cNvPr id="4" name="PlaceHolder 5"/>
           <p:cNvSpPr>
             <a:spLocks noGrp="1"/>
           </p:cNvSpPr>
@@ -2509,8 +2415,8 @@
               <a:buChar char=""/>
             </a:pPr>
             <a:r>
-              <a:rPr lang="en-US" sz="3200">
-                <a:latin typeface="Calibri"/>
+              <a:rPr lang="en-IN" sz="3200">
+                <a:latin typeface="Arial"/>
               </a:rPr>
               <a:t>Click to edit the outline text format</a:t>
             </a:r>
@@ -2523,8 +2429,8 @@
               <a:buChar char=""/>
             </a:pPr>
             <a:r>
-              <a:rPr lang="en-US" sz="2400">
-                <a:latin typeface="Calibri"/>
+              <a:rPr lang="en-IN" sz="2800">
+                <a:latin typeface="Arial"/>
               </a:rPr>
               <a:t>Second Outline Level</a:t>
             </a:r>
@@ -2537,8 +2443,8 @@
               <a:buChar char=""/>
             </a:pPr>
             <a:r>
-              <a:rPr lang="en-US" sz="2000">
-                <a:latin typeface="Calibri"/>
+              <a:rPr lang="en-IN" sz="2400">
+                <a:latin typeface="Arial"/>
               </a:rPr>
               <a:t>Third Outline Level</a:t>
             </a:r>
@@ -2551,8 +2457,8 @@
               <a:buChar char=""/>
             </a:pPr>
             <a:r>
-              <a:rPr lang="en-US" sz="2000">
-                <a:latin typeface="Calibri"/>
+              <a:rPr lang="en-IN" sz="2000">
+                <a:latin typeface="Arial"/>
               </a:rPr>
               <a:t>Fourth Outline Level</a:t>
             </a:r>
@@ -2565,8 +2471,8 @@
               <a:buChar char=""/>
             </a:pPr>
             <a:r>
-              <a:rPr lang="en-US" sz="2000">
-                <a:latin typeface="Calibri"/>
+              <a:rPr lang="en-IN" sz="2000">
+                <a:latin typeface="Arial"/>
               </a:rPr>
               <a:t>Fifth Outline Level</a:t>
             </a:r>
@@ -2579,8 +2485,8 @@
               <a:buChar char=""/>
             </a:pPr>
             <a:r>
-              <a:rPr lang="en-US" sz="2000">
-                <a:latin typeface="Calibri"/>
+              <a:rPr lang="en-IN" sz="2000">
+                <a:latin typeface="Arial"/>
               </a:rPr>
               <a:t>Sixth Outline Level</a:t>
             </a:r>
@@ -2593,8 +2499,8 @@
               <a:buChar char=""/>
             </a:pPr>
             <a:r>
-              <a:rPr lang="en-US" sz="2000">
-                <a:latin typeface="Calibri"/>
+              <a:rPr lang="en-IN" sz="2000">
+                <a:latin typeface="Arial"/>
               </a:rPr>
               <a:t>Seventh Outline Level</a:t>
             </a:r>
@@ -2648,7 +2554,7 @@
       </p:grpSpPr>
       <p:sp>
         <p:nvSpPr>
-          <p:cNvPr id="39" name="PlaceHolder 1"/>
+          <p:cNvPr id="36" name="PlaceHolder 1"/>
           <p:cNvSpPr>
             <a:spLocks noGrp="1"/>
           </p:cNvSpPr>
@@ -2658,55 +2564,48 @@
         </p:nvSpPr>
         <p:spPr>
           <a:xfrm>
-            <a:off x="457200" y="274680"/>
-            <a:ext cx="8229240" cy="1142640"/>
-          </a:xfrm>
-          <a:prstGeom prst="rect">
-            <a:avLst/>
-          </a:prstGeom>
-        </p:spPr>
-        <p:txBody>
-          <a:bodyPr anchor="ctr"/>
-          <a:p>
-            <a:pPr algn="ctr">
-              <a:lnSpc>
-                <a:spcPct val="100000"/>
-              </a:lnSpc>
-            </a:pPr>
-            <a:r>
-              <a:rPr lang="en-US" sz="4400">
-                <a:solidFill>
-                  <a:srgbClr val="000000"/>
-                </a:solidFill>
-                <a:latin typeface="Calibri"/>
-              </a:rPr>
-              <a:t>Click to edit the title text formatClick to edit Master title style</a:t>
-            </a:r>
-            <a:endParaRPr/>
-          </a:p>
-        </p:txBody>
-      </p:sp>
-      <p:sp>
-        <p:nvSpPr>
-          <p:cNvPr id="40" name="PlaceHolder 2"/>
-          <p:cNvSpPr>
-            <a:spLocks noGrp="1"/>
-          </p:cNvSpPr>
-          <p:nvPr>
-            <p:ph type="body"/>
-          </p:nvPr>
-        </p:nvSpPr>
-        <p:spPr>
-          <a:xfrm>
-            <a:off x="457200" y="1600200"/>
-            <a:ext cx="8229240" cy="4525560"/>
-          </a:xfrm>
-          <a:prstGeom prst="rect">
-            <a:avLst/>
-          </a:prstGeom>
-        </p:spPr>
-        <p:txBody>
-          <a:bodyPr/>
+            <a:off x="457200" y="273600"/>
+            <a:ext cx="8229240" cy="1144800"/>
+          </a:xfrm>
+          <a:prstGeom prst="rect">
+            <a:avLst/>
+          </a:prstGeom>
+        </p:spPr>
+        <p:txBody>
+          <a:bodyPr lIns="0" rIns="0" tIns="0" bIns="0" anchor="ctr"/>
+          <a:p>
+            <a:pPr algn="ctr"/>
+            <a:r>
+              <a:rPr lang="en-IN" sz="4400">
+                <a:latin typeface="Arial"/>
+              </a:rPr>
+              <a:t>Click to edit the title text format</a:t>
+            </a:r>
+            <a:endParaRPr/>
+          </a:p>
+        </p:txBody>
+      </p:sp>
+      <p:sp>
+        <p:nvSpPr>
+          <p:cNvPr id="37" name="PlaceHolder 2"/>
+          <p:cNvSpPr>
+            <a:spLocks noGrp="1"/>
+          </p:cNvSpPr>
+          <p:nvPr>
+            <p:ph type="body"/>
+          </p:nvPr>
+        </p:nvSpPr>
+        <p:spPr>
+          <a:xfrm>
+            <a:off x="457200" y="1604520"/>
+            <a:ext cx="8229240" cy="3977280"/>
+          </a:xfrm>
+          <a:prstGeom prst="rect">
+            <a:avLst/>
+          </a:prstGeom>
+        </p:spPr>
+        <p:txBody>
+          <a:bodyPr lIns="0" rIns="0" tIns="0" bIns="0"/>
           <a:p>
             <a:pPr>
               <a:buSzPct val="45000"/>
@@ -2714,11 +2613,8 @@
               <a:buChar char=""/>
             </a:pPr>
             <a:r>
-              <a:rPr lang="en-US" sz="3200">
-                <a:solidFill>
-                  <a:srgbClr val="000000"/>
-                </a:solidFill>
-                <a:latin typeface="Calibri"/>
+              <a:rPr lang="en-IN" sz="3200">
+                <a:latin typeface="Arial"/>
               </a:rPr>
               <a:t>Click to edit the outline text format</a:t>
             </a:r>
@@ -2731,11 +2627,8 @@
               <a:buChar char=""/>
             </a:pPr>
             <a:r>
-              <a:rPr lang="en-US" sz="3200">
-                <a:solidFill>
-                  <a:srgbClr val="000000"/>
-                </a:solidFill>
-                <a:latin typeface="Calibri"/>
+              <a:rPr lang="en-IN" sz="2800">
+                <a:latin typeface="Arial"/>
               </a:rPr>
               <a:t>Second Outline Level</a:t>
             </a:r>
@@ -2748,11 +2641,8 @@
               <a:buChar char=""/>
             </a:pPr>
             <a:r>
-              <a:rPr lang="en-US" sz="3200">
-                <a:solidFill>
-                  <a:srgbClr val="000000"/>
-                </a:solidFill>
-                <a:latin typeface="Calibri"/>
+              <a:rPr lang="en-IN" sz="2400">
+                <a:latin typeface="Arial"/>
               </a:rPr>
               <a:t>Third Outline Level</a:t>
             </a:r>
@@ -2765,11 +2655,8 @@
               <a:buChar char=""/>
             </a:pPr>
             <a:r>
-              <a:rPr lang="en-US" sz="3200">
-                <a:solidFill>
-                  <a:srgbClr val="000000"/>
-                </a:solidFill>
-                <a:latin typeface="Calibri"/>
+              <a:rPr lang="en-IN" sz="2000">
+                <a:latin typeface="Arial"/>
               </a:rPr>
               <a:t>Fourth Outline Level</a:t>
             </a:r>
@@ -2782,11 +2669,8 @@
               <a:buChar char=""/>
             </a:pPr>
             <a:r>
-              <a:rPr lang="en-US" sz="3200">
-                <a:solidFill>
-                  <a:srgbClr val="000000"/>
-                </a:solidFill>
-                <a:latin typeface="Calibri"/>
+              <a:rPr lang="en-IN" sz="2000">
+                <a:latin typeface="Arial"/>
               </a:rPr>
               <a:t>Fifth Outline Level</a:t>
             </a:r>
@@ -2799,215 +2683,25 @@
               <a:buChar char=""/>
             </a:pPr>
             <a:r>
-              <a:rPr lang="en-US" sz="3200">
-                <a:solidFill>
-                  <a:srgbClr val="000000"/>
-                </a:solidFill>
-                <a:latin typeface="Calibri"/>
+              <a:rPr lang="en-IN" sz="2000">
+                <a:latin typeface="Arial"/>
               </a:rPr>
               <a:t>Sixth Outline Level</a:t>
             </a:r>
             <a:endParaRPr/>
           </a:p>
           <a:p>
-            <a:pPr>
-              <a:lnSpc>
-                <a:spcPct val="100000"/>
-              </a:lnSpc>
-              <a:buFont typeface="Arial"/>
-              <a:buChar char="•"/>
+            <a:pPr lvl="6">
+              <a:buSzPct val="45000"/>
+              <a:buFont typeface="StarSymbol"/>
+              <a:buChar char=""/>
             </a:pPr>
             <a:r>
-              <a:rPr lang="en-US" sz="3200">
-                <a:solidFill>
-                  <a:srgbClr val="000000"/>
-                </a:solidFill>
-                <a:latin typeface="Calibri"/>
-              </a:rPr>
-              <a:t>Seventh Outline LevelClick to edit Master text styles</a:t>
-            </a:r>
-            <a:endParaRPr/>
-          </a:p>
-          <a:p>
-            <a:pPr lvl="1">
-              <a:lnSpc>
-                <a:spcPct val="100000"/>
-              </a:lnSpc>
-              <a:buFont typeface="Arial"/>
-              <a:buChar char="–"/>
-            </a:pPr>
-            <a:r>
-              <a:rPr lang="en-US" sz="2800">
-                <a:solidFill>
-                  <a:srgbClr val="000000"/>
-                </a:solidFill>
-                <a:latin typeface="Calibri"/>
-              </a:rPr>
-              <a:t>Second level</a:t>
-            </a:r>
-            <a:endParaRPr/>
-          </a:p>
-          <a:p>
-            <a:pPr lvl="2">
-              <a:lnSpc>
-                <a:spcPct val="100000"/>
-              </a:lnSpc>
-              <a:buFont typeface="Arial"/>
-              <a:buChar char="•"/>
-            </a:pPr>
-            <a:r>
-              <a:rPr lang="en-US" sz="2400">
-                <a:solidFill>
-                  <a:srgbClr val="000000"/>
-                </a:solidFill>
-                <a:latin typeface="Calibri"/>
-              </a:rPr>
-              <a:t>Third level</a:t>
-            </a:r>
-            <a:endParaRPr/>
-          </a:p>
-          <a:p>
-            <a:pPr lvl="3">
-              <a:lnSpc>
-                <a:spcPct val="100000"/>
-              </a:lnSpc>
-              <a:buFont typeface="Arial"/>
-              <a:buChar char="–"/>
-            </a:pPr>
-            <a:r>
-              <a:rPr lang="en-US" sz="2000">
-                <a:solidFill>
-                  <a:srgbClr val="000000"/>
-                </a:solidFill>
-                <a:latin typeface="Calibri"/>
-              </a:rPr>
-              <a:t>Fourth level</a:t>
-            </a:r>
-            <a:endParaRPr/>
-          </a:p>
-          <a:p>
-            <a:pPr lvl="4">
-              <a:lnSpc>
-                <a:spcPct val="100000"/>
-              </a:lnSpc>
-              <a:buFont typeface="Arial"/>
-              <a:buChar char="»"/>
-            </a:pPr>
-            <a:r>
-              <a:rPr lang="en-US" sz="2000">
-                <a:solidFill>
-                  <a:srgbClr val="000000"/>
-                </a:solidFill>
-                <a:latin typeface="Calibri"/>
-              </a:rPr>
-              <a:t>Fifth level</a:t>
-            </a:r>
-            <a:endParaRPr/>
-          </a:p>
-        </p:txBody>
-      </p:sp>
-      <p:sp>
-        <p:nvSpPr>
-          <p:cNvPr id="41" name="PlaceHolder 3"/>
-          <p:cNvSpPr>
-            <a:spLocks noGrp="1"/>
-          </p:cNvSpPr>
-          <p:nvPr>
-            <p:ph type="dt"/>
-          </p:nvPr>
-        </p:nvSpPr>
-        <p:spPr>
-          <a:xfrm>
-            <a:off x="457200" y="6356520"/>
-            <a:ext cx="2133360" cy="364680"/>
-          </a:xfrm>
-          <a:prstGeom prst="rect">
-            <a:avLst/>
-          </a:prstGeom>
-        </p:spPr>
-        <p:txBody>
-          <a:bodyPr anchor="ctr"/>
-          <a:p>
-            <a:pPr>
-              <a:lnSpc>
-                <a:spcPct val="100000"/>
-              </a:lnSpc>
-            </a:pPr>
-            <a:r>
-              <a:rPr lang="en-IN" sz="1200">
-                <a:solidFill>
-                  <a:srgbClr val="8b8b8b"/>
-                </a:solidFill>
-                <a:latin typeface="Calibri"/>
-              </a:rPr>
-              <a:t>12/10/15</a:t>
-            </a:r>
-            <a:endParaRPr/>
-          </a:p>
-        </p:txBody>
-      </p:sp>
-      <p:sp>
-        <p:nvSpPr>
-          <p:cNvPr id="42" name="PlaceHolder 4"/>
-          <p:cNvSpPr>
-            <a:spLocks noGrp="1"/>
-          </p:cNvSpPr>
-          <p:nvPr>
-            <p:ph type="ftr"/>
-          </p:nvPr>
-        </p:nvSpPr>
-        <p:spPr>
-          <a:xfrm>
-            <a:off x="3124080" y="6356520"/>
-            <a:ext cx="2895120" cy="364680"/>
-          </a:xfrm>
-          <a:prstGeom prst="rect">
-            <a:avLst/>
-          </a:prstGeom>
-        </p:spPr>
-        <p:txBody>
-          <a:bodyPr anchor="ctr"/>
-          <a:p>
-            <a:endParaRPr/>
-          </a:p>
-        </p:txBody>
-      </p:sp>
-      <p:sp>
-        <p:nvSpPr>
-          <p:cNvPr id="43" name="PlaceHolder 5"/>
-          <p:cNvSpPr>
-            <a:spLocks noGrp="1"/>
-          </p:cNvSpPr>
-          <p:nvPr>
-            <p:ph type="sldNum"/>
-          </p:nvPr>
-        </p:nvSpPr>
-        <p:spPr>
-          <a:xfrm>
-            <a:off x="6553080" y="6356520"/>
-            <a:ext cx="2133360" cy="364680"/>
-          </a:xfrm>
-          <a:prstGeom prst="rect">
-            <a:avLst/>
-          </a:prstGeom>
-        </p:spPr>
-        <p:txBody>
-          <a:bodyPr anchor="ctr"/>
-          <a:p>
-            <a:pPr algn="r">
-              <a:lnSpc>
-                <a:spcPct val="100000"/>
-              </a:lnSpc>
-            </a:pPr>
-            <a:fld id="{9F944B87-D7D9-41F3-8230-7FCEE7AF9D54}" type="slidenum">
-              <a:rPr lang="en-IN" sz="1200">
-                <a:solidFill>
-                  <a:srgbClr val="8b8b8b"/>
-                </a:solidFill>
-                <a:latin typeface="Calibri"/>
-              </a:rPr>
-              <a:t>&lt;number&gt;</a:t>
-            </a:fld>
+              <a:rPr lang="en-IN" sz="2000">
+                <a:latin typeface="Arial"/>
+              </a:rPr>
+              <a:t>Seventh Outline Level</a:t>
+            </a:r>
             <a:endParaRPr/>
           </a:p>
         </p:txBody>
@@ -3051,21 +2745,25 @@
       </p:grpSpPr>
       <p:sp>
         <p:nvSpPr>
-          <p:cNvPr id="78" name="TextShape 1"/>
-          <p:cNvSpPr txBox="1"/>
+          <p:cNvPr id="72" name="CustomShape 1"/>
+          <p:cNvSpPr/>
           <p:nvPr/>
         </p:nvSpPr>
         <p:spPr>
           <a:xfrm>
             <a:off x="685800" y="2130480"/>
-            <a:ext cx="7772040" cy="1469520"/>
-          </a:xfrm>
-          <a:prstGeom prst="rect">
-            <a:avLst/>
-          </a:prstGeom>
-        </p:spPr>
-        <p:txBody>
-          <a:bodyPr anchor="ctr"/>
+            <a:ext cx="7771680" cy="1469160"/>
+          </a:xfrm>
+          <a:prstGeom prst="rect">
+            <a:avLst/>
+          </a:prstGeom>
+          <a:noFill/>
+          <a:ln>
+            <a:noFill/>
+          </a:ln>
+        </p:spPr>
+        <p:txBody>
+          <a:bodyPr lIns="90000" rIns="90000" tIns="45000" bIns="45000" anchor="ctr"/>
           <a:p>
             <a:pPr algn="ctr">
               <a:lnSpc>
@@ -3073,7 +2771,7 @@
               </a:lnSpc>
             </a:pPr>
             <a:r>
-              <a:rPr lang="en-US" sz="4400">
+              <a:rPr lang="en-IN" sz="4400">
                 <a:solidFill>
                   <a:srgbClr val="000000"/>
                 </a:solidFill>
@@ -3087,21 +2785,25 @@
       </p:sp>
       <p:sp>
         <p:nvSpPr>
-          <p:cNvPr id="79" name="TextShape 2"/>
-          <p:cNvSpPr txBox="1"/>
+          <p:cNvPr id="73" name="CustomShape 2"/>
+          <p:cNvSpPr/>
           <p:nvPr/>
         </p:nvSpPr>
         <p:spPr>
           <a:xfrm>
             <a:off x="304920" y="3124080"/>
-            <a:ext cx="8610120" cy="1752120"/>
-          </a:xfrm>
-          <a:prstGeom prst="rect">
-            <a:avLst/>
-          </a:prstGeom>
-        </p:spPr>
-        <p:txBody>
-          <a:bodyPr/>
+            <a:ext cx="8609760" cy="1751760"/>
+          </a:xfrm>
+          <a:prstGeom prst="rect">
+            <a:avLst/>
+          </a:prstGeom>
+          <a:noFill/>
+          <a:ln>
+            <a:noFill/>
+          </a:ln>
+        </p:spPr>
+        <p:txBody>
+          <a:bodyPr lIns="90000" rIns="90000" tIns="45000" bIns="45000"/>
           <a:p>
             <a:pPr algn="ctr">
               <a:lnSpc>
@@ -3189,21 +2891,25 @@
       </p:grpSpPr>
       <p:sp>
         <p:nvSpPr>
-          <p:cNvPr id="80" name="TextShape 1"/>
-          <p:cNvSpPr txBox="1"/>
+          <p:cNvPr id="74" name="CustomShape 1"/>
+          <p:cNvSpPr/>
           <p:nvPr/>
         </p:nvSpPr>
         <p:spPr>
           <a:xfrm>
             <a:off x="457200" y="274680"/>
-            <a:ext cx="8229240" cy="1142640"/>
-          </a:xfrm>
-          <a:prstGeom prst="rect">
-            <a:avLst/>
-          </a:prstGeom>
-        </p:spPr>
-        <p:txBody>
-          <a:bodyPr anchor="ctr"/>
+            <a:ext cx="8228880" cy="1142280"/>
+          </a:xfrm>
+          <a:prstGeom prst="rect">
+            <a:avLst/>
+          </a:prstGeom>
+          <a:noFill/>
+          <a:ln>
+            <a:noFill/>
+          </a:ln>
+        </p:spPr>
+        <p:txBody>
+          <a:bodyPr lIns="90000" rIns="90000" tIns="45000" bIns="45000" anchor="ctr"/>
           <a:p>
             <a:pPr algn="ctr">
               <a:lnSpc>
@@ -3211,7 +2917,7 @@
               </a:lnSpc>
             </a:pPr>
             <a:r>
-              <a:rPr lang="en-US" sz="4400">
+              <a:rPr lang="en-IN" sz="4400">
                 <a:solidFill>
                   <a:srgbClr val="000000"/>
                 </a:solidFill>
@@ -3225,21 +2931,25 @@
       </p:sp>
       <p:sp>
         <p:nvSpPr>
-          <p:cNvPr id="81" name="TextShape 2"/>
-          <p:cNvSpPr txBox="1"/>
+          <p:cNvPr id="75" name="CustomShape 2"/>
+          <p:cNvSpPr/>
           <p:nvPr/>
         </p:nvSpPr>
         <p:spPr>
           <a:xfrm>
             <a:off x="457200" y="1600200"/>
-            <a:ext cx="8229240" cy="4800240"/>
-          </a:xfrm>
-          <a:prstGeom prst="rect">
-            <a:avLst/>
-          </a:prstGeom>
-        </p:spPr>
-        <p:txBody>
-          <a:bodyPr/>
+            <a:ext cx="8228880" cy="4799880"/>
+          </a:xfrm>
+          <a:prstGeom prst="rect">
+            <a:avLst/>
+          </a:prstGeom>
+          <a:noFill/>
+          <a:ln>
+            <a:noFill/>
+          </a:ln>
+        </p:spPr>
+        <p:txBody>
+          <a:bodyPr lIns="90000" rIns="90000" tIns="45000" bIns="45000"/>
           <a:p>
             <a:pPr>
               <a:lnSpc>
@@ -3249,7 +2959,7 @@
               <a:buAutoNum type="arabicPeriod"/>
             </a:pPr>
             <a:r>
-              <a:rPr lang="en-US" sz="3200">
+              <a:rPr lang="en-IN" sz="3200">
                 <a:solidFill>
                   <a:srgbClr val="000000"/>
                 </a:solidFill>
@@ -3268,7 +2978,7 @@
               <a:buAutoNum type="arabicPeriod"/>
             </a:pPr>
             <a:r>
-              <a:rPr lang="en-US" sz="3200">
+              <a:rPr lang="en-IN" sz="3200">
                 <a:solidFill>
                   <a:srgbClr val="000000"/>
                 </a:solidFill>
@@ -3279,8 +2989,13 @@
             <a:endParaRPr/>
           </a:p>
           <a:p>
-            <a:r>
-              <a:rPr lang="en-US" sz="2800">
+            <a:pPr>
+              <a:lnSpc>
+                <a:spcPct val="100000"/>
+              </a:lnSpc>
+            </a:pPr>
+            <a:r>
+              <a:rPr lang="en-IN" sz="2800">
                 <a:solidFill>
                   <a:srgbClr val="000000"/>
                 </a:solidFill>
@@ -3291,8 +3006,13 @@
             <a:endParaRPr/>
           </a:p>
           <a:p>
-            <a:r>
-              <a:rPr lang="en-US" sz="2800">
+            <a:pPr>
+              <a:lnSpc>
+                <a:spcPct val="100000"/>
+              </a:lnSpc>
+            </a:pPr>
+            <a:r>
+              <a:rPr lang="en-IN" sz="2800">
                 <a:solidFill>
                   <a:srgbClr val="000000"/>
                 </a:solidFill>
@@ -3301,7 +3021,7 @@
               <a:t>Block: 1 row of DCT coefficients, 2</a:t>
             </a:r>
             <a:r>
-              <a:rPr lang="en-US" sz="2800" baseline="30000">
+              <a:rPr lang="en-IN" sz="2800" baseline="30000">
                 <a:solidFill>
                   <a:srgbClr val="000000"/>
                 </a:solidFill>
@@ -3310,7 +3030,7 @@
               <a:t>nd</a:t>
             </a:r>
             <a:r>
-              <a:rPr lang="en-US" sz="2800">
+              <a:rPr lang="en-IN" sz="2800">
                 <a:solidFill>
                   <a:srgbClr val="000000"/>
                 </a:solidFill>
@@ -3319,7 +3039,7 @@
               <a:t> row, 3</a:t>
             </a:r>
             <a:r>
-              <a:rPr lang="en-US" sz="2800" baseline="30000">
+              <a:rPr lang="en-IN" sz="2800" baseline="30000">
                 <a:solidFill>
                   <a:srgbClr val="000000"/>
                 </a:solidFill>
@@ -3328,7 +3048,7 @@
               <a:t>rd</a:t>
             </a:r>
             <a:r>
-              <a:rPr lang="en-US" sz="2800">
+              <a:rPr lang="en-IN" sz="2800">
                 <a:solidFill>
                   <a:srgbClr val="000000"/>
                 </a:solidFill>
@@ -3347,7 +3067,7 @@
               <a:buAutoNum type="arabicPeriod"/>
             </a:pPr>
             <a:r>
-              <a:rPr lang="en-US" sz="3200">
+              <a:rPr lang="en-IN" sz="3200">
                 <a:solidFill>
                   <a:srgbClr val="000000"/>
                 </a:solidFill>
@@ -3358,8 +3078,13 @@
             <a:endParaRPr/>
           </a:p>
           <a:p>
-            <a:r>
-              <a:rPr lang="en-US" sz="2800">
+            <a:pPr>
+              <a:lnSpc>
+                <a:spcPct val="100000"/>
+              </a:lnSpc>
+            </a:pPr>
+            <a:r>
+              <a:rPr lang="en-IN" sz="2800">
                 <a:solidFill>
                   <a:srgbClr val="000000"/>
                 </a:solidFill>
@@ -3378,7 +3103,7 @@
               <a:buAutoNum type="arabicPeriod"/>
             </a:pPr>
             <a:r>
-              <a:rPr lang="en-US" sz="3200">
+              <a:rPr lang="en-IN" sz="3200">
                 <a:solidFill>
                   <a:srgbClr val="000000"/>
                 </a:solidFill>
@@ -3397,7 +3122,7 @@
               <a:buAutoNum type="arabicPeriod"/>
             </a:pPr>
             <a:r>
-              <a:rPr lang="en-US" sz="3200">
+              <a:rPr lang="en-IN" sz="3200">
                 <a:solidFill>
                   <a:srgbClr val="000000"/>
                 </a:solidFill>
@@ -3408,9 +3133,19 @@
             <a:endParaRPr/>
           </a:p>
           <a:p>
-            <a:endParaRPr/>
-          </a:p>
-          <a:p>
+            <a:pPr>
+              <a:lnSpc>
+                <a:spcPct val="100000"/>
+              </a:lnSpc>
+            </a:pPr>
+            <a:endParaRPr/>
+          </a:p>
+          <a:p>
+            <a:pPr>
+              <a:lnSpc>
+                <a:spcPct val="100000"/>
+              </a:lnSpc>
+            </a:pPr>
             <a:endParaRPr/>
           </a:p>
         </p:txBody>
@@ -3466,21 +3201,25 @@
       </p:grpSpPr>
       <p:sp>
         <p:nvSpPr>
-          <p:cNvPr id="82" name="TextShape 1"/>
-          <p:cNvSpPr txBox="1"/>
+          <p:cNvPr id="76" name="CustomShape 1"/>
+          <p:cNvSpPr/>
           <p:nvPr/>
         </p:nvSpPr>
         <p:spPr>
           <a:xfrm>
             <a:off x="457200" y="274680"/>
-            <a:ext cx="8229240" cy="1142640"/>
-          </a:xfrm>
-          <a:prstGeom prst="rect">
-            <a:avLst/>
-          </a:prstGeom>
-        </p:spPr>
-        <p:txBody>
-          <a:bodyPr anchor="ctr"/>
+            <a:ext cx="8228880" cy="1142280"/>
+          </a:xfrm>
+          <a:prstGeom prst="rect">
+            <a:avLst/>
+          </a:prstGeom>
+          <a:noFill/>
+          <a:ln>
+            <a:noFill/>
+          </a:ln>
+        </p:spPr>
+        <p:txBody>
+          <a:bodyPr lIns="90000" rIns="90000" tIns="45000" bIns="45000" anchor="ctr"/>
           <a:p>
             <a:pPr algn="ctr">
               <a:lnSpc>
@@ -3488,7 +3227,7 @@
               </a:lnSpc>
             </a:pPr>
             <a:r>
-              <a:rPr lang="en-US" sz="4400">
+              <a:rPr lang="en-IN" sz="4400">
                 <a:solidFill>
                   <a:srgbClr val="000000"/>
                 </a:solidFill>
@@ -3502,21 +3241,25 @@
       </p:sp>
       <p:sp>
         <p:nvSpPr>
-          <p:cNvPr id="83" name="TextShape 2"/>
-          <p:cNvSpPr txBox="1"/>
+          <p:cNvPr id="77" name="CustomShape 2"/>
+          <p:cNvSpPr/>
           <p:nvPr/>
         </p:nvSpPr>
         <p:spPr>
           <a:xfrm>
             <a:off x="457200" y="1600200"/>
-            <a:ext cx="8229240" cy="4800240"/>
-          </a:xfrm>
-          <a:prstGeom prst="rect">
-            <a:avLst/>
-          </a:prstGeom>
-        </p:spPr>
-        <p:txBody>
-          <a:bodyPr/>
+            <a:ext cx="8228880" cy="4799880"/>
+          </a:xfrm>
+          <a:prstGeom prst="rect">
+            <a:avLst/>
+          </a:prstGeom>
+          <a:noFill/>
+          <a:ln>
+            <a:noFill/>
+          </a:ln>
+        </p:spPr>
+        <p:txBody>
+          <a:bodyPr lIns="90000" rIns="90000" tIns="45000" bIns="45000"/>
           <a:p>
             <a:pPr>
               <a:lnSpc>
@@ -3526,7 +3269,7 @@
               <a:buAutoNum type="arabicPeriod"/>
             </a:pPr>
             <a:r>
-              <a:rPr lang="en-US" sz="3200">
+              <a:rPr lang="en-IN" sz="2200">
                 <a:solidFill>
                   <a:srgbClr val="000000"/>
                 </a:solidFill>
@@ -3545,7 +3288,7 @@
               <a:buAutoNum type="arabicPeriod"/>
             </a:pPr>
             <a:r>
-              <a:rPr lang="en-US" sz="3200">
+              <a:rPr lang="en-IN" sz="2200">
                 <a:solidFill>
                   <a:srgbClr val="000000"/>
                 </a:solidFill>
@@ -3564,7 +3307,7 @@
               <a:buAutoNum type="arabicPeriod"/>
             </a:pPr>
             <a:r>
-              <a:rPr lang="en-US" sz="3200">
+              <a:rPr lang="en-IN" sz="2200">
                 <a:solidFill>
                   <a:srgbClr val="000000"/>
                 </a:solidFill>
@@ -3573,7 +3316,7 @@
               <a:t>Perform Huffman coding. Store each Huffman code on a line. </a:t>
             </a:r>
             <a:r>
-              <a:rPr lang="en-US" sz="3200">
+              <a:rPr lang="en-IN" sz="2200">
                 <a:solidFill>
                   <a:srgbClr val="ff0000"/>
                 </a:solidFill>
@@ -3592,7 +3335,7 @@
               <a:buAutoNum type="arabicPeriod"/>
             </a:pPr>
             <a:r>
-              <a:rPr lang="en-US" sz="2800">
+              <a:rPr lang="en-IN" sz="2200">
                 <a:solidFill>
                   <a:srgbClr val="ff0000"/>
                 </a:solidFill>
@@ -3611,7 +3354,7 @@
               <a:buAutoNum type="arabicPeriod"/>
             </a:pPr>
             <a:r>
-              <a:rPr lang="en-US" sz="2800">
+              <a:rPr lang="en-IN" sz="2200">
                 <a:solidFill>
                   <a:srgbClr val="ff0000"/>
                 </a:solidFill>
@@ -3630,7 +3373,7 @@
               <a:buAutoNum type="arabicPeriod"/>
             </a:pPr>
             <a:r>
-              <a:rPr lang="en-US" sz="3200">
+              <a:rPr lang="en-IN" sz="2200">
                 <a:solidFill>
                   <a:srgbClr val="000000"/>
                 </a:solidFill>
@@ -3649,7 +3392,7 @@
               <a:buAutoNum type="arabicPeriod"/>
             </a:pPr>
             <a:r>
-              <a:rPr lang="en-US" sz="3200">
+              <a:rPr lang="en-IN" sz="2200">
                 <a:solidFill>
                   <a:srgbClr val="000000"/>
                 </a:solidFill>
@@ -3660,9 +3403,19 @@
             <a:endParaRPr/>
           </a:p>
           <a:p>
-            <a:endParaRPr/>
-          </a:p>
-          <a:p>
+            <a:pPr>
+              <a:lnSpc>
+                <a:spcPct val="100000"/>
+              </a:lnSpc>
+            </a:pPr>
+            <a:endParaRPr/>
+          </a:p>
+          <a:p>
+            <a:pPr>
+              <a:lnSpc>
+                <a:spcPct val="100000"/>
+              </a:lnSpc>
+            </a:pPr>
             <a:endParaRPr/>
           </a:p>
         </p:txBody>

--- a/information/2015 - week 8 Assesment.pptx
+++ b/information/2015 - week 8 Assesment.pptx
@@ -2367,8 +2367,8 @@
         </p:nvSpPr>
         <p:spPr>
           <a:xfrm>
-            <a:off x="457200" y="274680"/>
-            <a:ext cx="8228880" cy="1142640"/>
+            <a:off x="457200" y="273600"/>
+            <a:ext cx="8228880" cy="1144800"/>
           </a:xfrm>
           <a:prstGeom prst="rect">
             <a:avLst/>
@@ -2400,7 +2400,7 @@
         <p:spPr>
           <a:xfrm>
             <a:off x="457200" y="1604520"/>
-            <a:ext cx="8229240" cy="3977280"/>
+            <a:ext cx="8228880" cy="3976920"/>
           </a:xfrm>
           <a:prstGeom prst="rect">
             <a:avLst/>
@@ -2415,7 +2415,7 @@
               <a:buChar char=""/>
             </a:pPr>
             <a:r>
-              <a:rPr lang="en-IN" sz="3200">
+              <a:rPr lang="en-IN">
                 <a:latin typeface="Arial"/>
               </a:rPr>
               <a:t>Click to edit the outline text format</a:t>
@@ -2429,7 +2429,7 @@
               <a:buChar char=""/>
             </a:pPr>
             <a:r>
-              <a:rPr lang="en-IN" sz="2800">
+              <a:rPr lang="en-IN">
                 <a:latin typeface="Arial"/>
               </a:rPr>
               <a:t>Second Outline Level</a:t>
@@ -2443,7 +2443,7 @@
               <a:buChar char=""/>
             </a:pPr>
             <a:r>
-              <a:rPr lang="en-IN" sz="2400">
+              <a:rPr lang="en-IN">
                 <a:latin typeface="Arial"/>
               </a:rPr>
               <a:t>Third Outline Level</a:t>
@@ -2457,7 +2457,7 @@
               <a:buChar char=""/>
             </a:pPr>
             <a:r>
-              <a:rPr lang="en-IN" sz="2000">
+              <a:rPr lang="en-IN">
                 <a:latin typeface="Arial"/>
               </a:rPr>
               <a:t>Fourth Outline Level</a:t>
@@ -2471,7 +2471,7 @@
               <a:buChar char=""/>
             </a:pPr>
             <a:r>
-              <a:rPr lang="en-IN" sz="2000">
+              <a:rPr lang="en-IN">
                 <a:latin typeface="Arial"/>
               </a:rPr>
               <a:t>Fifth Outline Level</a:t>
@@ -2485,7 +2485,7 @@
               <a:buChar char=""/>
             </a:pPr>
             <a:r>
-              <a:rPr lang="en-IN" sz="2000">
+              <a:rPr lang="en-IN">
                 <a:latin typeface="Arial"/>
               </a:rPr>
               <a:t>Sixth Outline Level</a:t>
@@ -2499,7 +2499,7 @@
               <a:buChar char=""/>
             </a:pPr>
             <a:r>
-              <a:rPr lang="en-IN" sz="2000">
+              <a:rPr lang="en-IN">
                 <a:latin typeface="Arial"/>
               </a:rPr>
               <a:t>Seventh Outline Level</a:t>
@@ -2752,7 +2752,7 @@
         <p:spPr>
           <a:xfrm>
             <a:off x="685800" y="2130480"/>
-            <a:ext cx="7771680" cy="1469160"/>
+            <a:ext cx="7771320" cy="1468800"/>
           </a:xfrm>
           <a:prstGeom prst="rect">
             <a:avLst/>
@@ -2792,7 +2792,7 @@
         <p:spPr>
           <a:xfrm>
             <a:off x="304920" y="3124080"/>
-            <a:ext cx="8609760" cy="1751760"/>
+            <a:ext cx="8609400" cy="1751400"/>
           </a:xfrm>
           <a:prstGeom prst="rect">
             <a:avLst/>
@@ -2898,7 +2898,7 @@
         <p:spPr>
           <a:xfrm>
             <a:off x="457200" y="274680"/>
-            <a:ext cx="8228880" cy="1142280"/>
+            <a:ext cx="8228520" cy="1141920"/>
           </a:xfrm>
           <a:prstGeom prst="rect">
             <a:avLst/>
@@ -2938,7 +2938,7 @@
         <p:spPr>
           <a:xfrm>
             <a:off x="457200" y="1600200"/>
-            <a:ext cx="8228880" cy="4799880"/>
+            <a:ext cx="8228520" cy="4799520"/>
           </a:xfrm>
           <a:prstGeom prst="rect">
             <a:avLst/>
@@ -2959,7 +2959,7 @@
               <a:buAutoNum type="arabicPeriod"/>
             </a:pPr>
             <a:r>
-              <a:rPr lang="en-IN" sz="3200">
+              <a:rPr lang="en-IN" sz="2000">
                 <a:solidFill>
                   <a:srgbClr val="000000"/>
                 </a:solidFill>
@@ -2978,7 +2978,7 @@
               <a:buAutoNum type="arabicPeriod"/>
             </a:pPr>
             <a:r>
-              <a:rPr lang="en-IN" sz="3200">
+              <a:rPr lang="en-IN" sz="2000">
                 <a:solidFill>
                   <a:srgbClr val="000000"/>
                 </a:solidFill>
@@ -2995,7 +2995,7 @@
               </a:lnSpc>
             </a:pPr>
             <a:r>
-              <a:rPr lang="en-IN" sz="2800">
+              <a:rPr lang="en-IN" sz="2000">
                 <a:solidFill>
                   <a:srgbClr val="000000"/>
                 </a:solidFill>
@@ -3012,7 +3012,7 @@
               </a:lnSpc>
             </a:pPr>
             <a:r>
-              <a:rPr lang="en-IN" sz="2800">
+              <a:rPr lang="en-IN" sz="2000">
                 <a:solidFill>
                   <a:srgbClr val="000000"/>
                 </a:solidFill>
@@ -3021,7 +3021,7 @@
               <a:t>Block: 1 row of DCT coefficients, 2</a:t>
             </a:r>
             <a:r>
-              <a:rPr lang="en-IN" sz="2800" baseline="30000">
+              <a:rPr lang="en-IN" sz="2000" baseline="30000">
                 <a:solidFill>
                   <a:srgbClr val="000000"/>
                 </a:solidFill>
@@ -3030,7 +3030,7 @@
               <a:t>nd</a:t>
             </a:r>
             <a:r>
-              <a:rPr lang="en-IN" sz="2800">
+              <a:rPr lang="en-IN" sz="2000">
                 <a:solidFill>
                   <a:srgbClr val="000000"/>
                 </a:solidFill>
@@ -3039,7 +3039,7 @@
               <a:t> row, 3</a:t>
             </a:r>
             <a:r>
-              <a:rPr lang="en-IN" sz="2800" baseline="30000">
+              <a:rPr lang="en-IN" sz="2000" baseline="30000">
                 <a:solidFill>
                   <a:srgbClr val="000000"/>
                 </a:solidFill>
@@ -3048,7 +3048,7 @@
               <a:t>rd</a:t>
             </a:r>
             <a:r>
-              <a:rPr lang="en-IN" sz="2800">
+              <a:rPr lang="en-IN" sz="2000">
                 <a:solidFill>
                   <a:srgbClr val="000000"/>
                 </a:solidFill>
@@ -3067,7 +3067,7 @@
               <a:buAutoNum type="arabicPeriod"/>
             </a:pPr>
             <a:r>
-              <a:rPr lang="en-IN" sz="3200">
+              <a:rPr lang="en-IN" sz="2000">
                 <a:solidFill>
                   <a:srgbClr val="000000"/>
                 </a:solidFill>
@@ -3084,7 +3084,7 @@
               </a:lnSpc>
             </a:pPr>
             <a:r>
-              <a:rPr lang="en-IN" sz="2800">
+              <a:rPr lang="en-IN" sz="2000">
                 <a:solidFill>
                   <a:srgbClr val="000000"/>
                 </a:solidFill>
@@ -3103,7 +3103,7 @@
               <a:buAutoNum type="arabicPeriod"/>
             </a:pPr>
             <a:r>
-              <a:rPr lang="en-IN" sz="3200">
+              <a:rPr lang="en-IN" sz="2000">
                 <a:solidFill>
                   <a:srgbClr val="000000"/>
                 </a:solidFill>
@@ -3122,7 +3122,7 @@
               <a:buAutoNum type="arabicPeriod"/>
             </a:pPr>
             <a:r>
-              <a:rPr lang="en-IN" sz="3200">
+              <a:rPr lang="en-IN" sz="2000">
                 <a:solidFill>
                   <a:srgbClr val="000000"/>
                 </a:solidFill>
@@ -3208,7 +3208,7 @@
         <p:spPr>
           <a:xfrm>
             <a:off x="457200" y="274680"/>
-            <a:ext cx="8228880" cy="1142280"/>
+            <a:ext cx="8228520" cy="1141920"/>
           </a:xfrm>
           <a:prstGeom prst="rect">
             <a:avLst/>
@@ -3248,7 +3248,7 @@
         <p:spPr>
           <a:xfrm>
             <a:off x="457200" y="1600200"/>
-            <a:ext cx="8228880" cy="4799880"/>
+            <a:ext cx="8228520" cy="4799520"/>
           </a:xfrm>
           <a:prstGeom prst="rect">
             <a:avLst/>
